--- a/Documentation/Poster.pptx
+++ b/Documentation/Poster.pptx
@@ -115,13 +115,276 @@
 <file path=ppt/revisionInfo.xml><?xml version="1.0" encoding="utf-8"?>
 <p1510:revInfo xmlns:a="http://schemas.openxmlformats.org/drawingml/2006/main" xmlns:r="http://schemas.openxmlformats.org/officeDocument/2006/relationships" xmlns:p1510="http://schemas.microsoft.com/office/powerpoint/2015/10/main">
   <p1510:revLst>
-    <p1510:client id="{0B4BD7A0-FC59-42AE-B47E-742D93FEF3D9}" v="11" dt="2021-02-23T14:15:40.875"/>
+    <p1510:client id="{0B4BD7A0-FC59-42AE-B47E-742D93FEF3D9}" v="73" dt="2021-03-14T23:54:27.441"/>
   </p1510:revLst>
 </p1510:revInfo>
 </file>
 
 <file path=ppt/changesInfos/changesInfo1.xml><?xml version="1.0" encoding="utf-8"?>
 <pc:chgInfo xmlns:a="http://schemas.openxmlformats.org/drawingml/2006/main" xmlns:r="http://schemas.openxmlformats.org/officeDocument/2006/relationships" xmlns:ac="http://schemas.microsoft.com/office/drawing/2013/main/command" xmlns:pc="http://schemas.microsoft.com/office/powerpoint/2013/main/command">
+  <pc:docChgLst>
+    <pc:chgData name="ROSS" userId="437d5ef0-0a18-489e-8dc6-1572c226cd1f" providerId="ADAL" clId="{0B4BD7A0-FC59-42AE-B47E-742D93FEF3D9}"/>
+    <pc:docChg chg="undo redo custSel addSld delSld modSld">
+      <pc:chgData name="ROSS" userId="437d5ef0-0a18-489e-8dc6-1572c226cd1f" providerId="ADAL" clId="{0B4BD7A0-FC59-42AE-B47E-742D93FEF3D9}" dt="2021-03-15T00:01:02.485" v="634" actId="1076"/>
+      <pc:docMkLst>
+        <pc:docMk/>
+      </pc:docMkLst>
+      <pc:sldChg chg="delSp modSp del mod">
+        <pc:chgData name="ROSS" userId="437d5ef0-0a18-489e-8dc6-1572c226cd1f" providerId="ADAL" clId="{0B4BD7A0-FC59-42AE-B47E-742D93FEF3D9}" dt="2021-03-02T14:16:01.265" v="4" actId="2696"/>
+        <pc:sldMkLst>
+          <pc:docMk/>
+          <pc:sldMk cId="767711258" sldId="256"/>
+        </pc:sldMkLst>
+        <pc:spChg chg="mod">
+          <ac:chgData name="ROSS" userId="437d5ef0-0a18-489e-8dc6-1572c226cd1f" providerId="ADAL" clId="{0B4BD7A0-FC59-42AE-B47E-742D93FEF3D9}" dt="2021-03-02T14:10:52.024" v="3" actId="14100"/>
+          <ac:spMkLst>
+            <pc:docMk/>
+            <pc:sldMk cId="767711258" sldId="256"/>
+            <ac:spMk id="2" creationId="{00B0D2E5-809A-47FE-8A2B-D7AD1DFC57BC}"/>
+          </ac:spMkLst>
+        </pc:spChg>
+        <pc:spChg chg="mod">
+          <ac:chgData name="ROSS" userId="437d5ef0-0a18-489e-8dc6-1572c226cd1f" providerId="ADAL" clId="{0B4BD7A0-FC59-42AE-B47E-742D93FEF3D9}" dt="2021-03-02T14:10:44.015" v="2" actId="14100"/>
+          <ac:spMkLst>
+            <pc:docMk/>
+            <pc:sldMk cId="767711258" sldId="256"/>
+            <ac:spMk id="3" creationId="{3E9D1F82-AE25-404D-944A-1D23FBE49953}"/>
+          </ac:spMkLst>
+        </pc:spChg>
+        <pc:picChg chg="del">
+          <ac:chgData name="ROSS" userId="437d5ef0-0a18-489e-8dc6-1572c226cd1f" providerId="ADAL" clId="{0B4BD7A0-FC59-42AE-B47E-742D93FEF3D9}" dt="2021-03-02T14:09:54.800" v="0" actId="478"/>
+          <ac:picMkLst>
+            <pc:docMk/>
+            <pc:sldMk cId="767711258" sldId="256"/>
+            <ac:picMk id="5" creationId="{23E0035B-4F7C-4BA8-9A4E-9B8879AB11C0}"/>
+          </ac:picMkLst>
+        </pc:picChg>
+        <pc:picChg chg="del">
+          <ac:chgData name="ROSS" userId="437d5ef0-0a18-489e-8dc6-1572c226cd1f" providerId="ADAL" clId="{0B4BD7A0-FC59-42AE-B47E-742D93FEF3D9}" dt="2021-03-02T14:09:56.494" v="1" actId="478"/>
+          <ac:picMkLst>
+            <pc:docMk/>
+            <pc:sldMk cId="767711258" sldId="256"/>
+            <ac:picMk id="6" creationId="{39D063B1-54C8-4A6F-BF3F-140C04F57FDE}"/>
+          </ac:picMkLst>
+        </pc:picChg>
+      </pc:sldChg>
+      <pc:sldChg chg="addSp delSp modSp new mod setBg">
+        <pc:chgData name="ROSS" userId="437d5ef0-0a18-489e-8dc6-1572c226cd1f" providerId="ADAL" clId="{0B4BD7A0-FC59-42AE-B47E-742D93FEF3D9}" dt="2021-03-15T00:01:02.485" v="634" actId="1076"/>
+        <pc:sldMkLst>
+          <pc:docMk/>
+          <pc:sldMk cId="2718855042" sldId="256"/>
+        </pc:sldMkLst>
+        <pc:spChg chg="mod ord">
+          <ac:chgData name="ROSS" userId="437d5ef0-0a18-489e-8dc6-1572c226cd1f" providerId="ADAL" clId="{0B4BD7A0-FC59-42AE-B47E-742D93FEF3D9}" dt="2021-03-14T23:47:08.028" v="424" actId="14100"/>
+          <ac:spMkLst>
+            <pc:docMk/>
+            <pc:sldMk cId="2718855042" sldId="256"/>
+            <ac:spMk id="2" creationId="{C9A3DBE9-C590-4EC5-AFF1-C6C8DA943EDC}"/>
+          </ac:spMkLst>
+        </pc:spChg>
+        <pc:spChg chg="add mod ord">
+          <ac:chgData name="ROSS" userId="437d5ef0-0a18-489e-8dc6-1572c226cd1f" providerId="ADAL" clId="{0B4BD7A0-FC59-42AE-B47E-742D93FEF3D9}" dt="2021-03-14T23:36:02.579" v="344" actId="207"/>
+          <ac:spMkLst>
+            <pc:docMk/>
+            <pc:sldMk cId="2718855042" sldId="256"/>
+            <ac:spMk id="3" creationId="{2AB55E11-F418-4CDB-B647-07C2631F6C68}"/>
+          </ac:spMkLst>
+        </pc:spChg>
+        <pc:spChg chg="del mod">
+          <ac:chgData name="ROSS" userId="437d5ef0-0a18-489e-8dc6-1572c226cd1f" providerId="ADAL" clId="{0B4BD7A0-FC59-42AE-B47E-742D93FEF3D9}" dt="2021-03-02T14:22:55.791" v="14" actId="931"/>
+          <ac:spMkLst>
+            <pc:docMk/>
+            <pc:sldMk cId="2718855042" sldId="256"/>
+            <ac:spMk id="3" creationId="{913B5862-E7D5-4525-8B5F-B7CF42D9C09B}"/>
+          </ac:spMkLst>
+        </pc:spChg>
+        <pc:spChg chg="add mod ord">
+          <ac:chgData name="ROSS" userId="437d5ef0-0a18-489e-8dc6-1572c226cd1f" providerId="ADAL" clId="{0B4BD7A0-FC59-42AE-B47E-742D93FEF3D9}" dt="2021-03-15T00:00:28.237" v="595" actId="6549"/>
+          <ac:spMkLst>
+            <pc:docMk/>
+            <pc:sldMk cId="2718855042" sldId="256"/>
+            <ac:spMk id="4" creationId="{B9FA3190-5367-4452-9B13-C4A50B56043D}"/>
+          </ac:spMkLst>
+        </pc:spChg>
+        <pc:spChg chg="add del mod">
+          <ac:chgData name="ROSS" userId="437d5ef0-0a18-489e-8dc6-1572c226cd1f" providerId="ADAL" clId="{0B4BD7A0-FC59-42AE-B47E-742D93FEF3D9}" dt="2021-03-10T22:35:36.840" v="183" actId="478"/>
+          <ac:spMkLst>
+            <pc:docMk/>
+            <pc:sldMk cId="2718855042" sldId="256"/>
+            <ac:spMk id="7" creationId="{640C315F-A8C4-452D-9E72-904DF3EAE075}"/>
+          </ac:spMkLst>
+        </pc:spChg>
+        <pc:spChg chg="add del mod">
+          <ac:chgData name="ROSS" userId="437d5ef0-0a18-489e-8dc6-1572c226cd1f" providerId="ADAL" clId="{0B4BD7A0-FC59-42AE-B47E-742D93FEF3D9}" dt="2021-03-02T14:27:48.864" v="33"/>
+          <ac:spMkLst>
+            <pc:docMk/>
+            <pc:sldMk cId="2718855042" sldId="256"/>
+            <ac:spMk id="8" creationId="{34786632-7A22-4252-93F7-8BB73B529E98}"/>
+          </ac:spMkLst>
+        </pc:spChg>
+        <pc:spChg chg="add mod">
+          <ac:chgData name="ROSS" userId="437d5ef0-0a18-489e-8dc6-1572c226cd1f" providerId="ADAL" clId="{0B4BD7A0-FC59-42AE-B47E-742D93FEF3D9}" dt="2021-03-14T23:33:41.092" v="304" actId="14100"/>
+          <ac:spMkLst>
+            <pc:docMk/>
+            <pc:sldMk cId="2718855042" sldId="256"/>
+            <ac:spMk id="9" creationId="{BD696E0E-C6EB-462B-91E9-C02E501EA229}"/>
+          </ac:spMkLst>
+        </pc:spChg>
+        <pc:spChg chg="add del mod">
+          <ac:chgData name="ROSS" userId="437d5ef0-0a18-489e-8dc6-1572c226cd1f" providerId="ADAL" clId="{0B4BD7A0-FC59-42AE-B47E-742D93FEF3D9}" dt="2021-03-10T22:41:08.757" v="229" actId="478"/>
+          <ac:spMkLst>
+            <pc:docMk/>
+            <pc:sldMk cId="2718855042" sldId="256"/>
+            <ac:spMk id="10" creationId="{C701637E-B531-48C2-90DF-AAB9AC3EACA2}"/>
+          </ac:spMkLst>
+        </pc:spChg>
+        <pc:spChg chg="add mod">
+          <ac:chgData name="ROSS" userId="437d5ef0-0a18-489e-8dc6-1572c226cd1f" providerId="ADAL" clId="{0B4BD7A0-FC59-42AE-B47E-742D93FEF3D9}" dt="2021-03-14T23:48:19.203" v="429" actId="404"/>
+          <ac:spMkLst>
+            <pc:docMk/>
+            <pc:sldMk cId="2718855042" sldId="256"/>
+            <ac:spMk id="10" creationId="{EE368EB3-B55D-41F4-955E-ACD5E1E9A31A}"/>
+          </ac:spMkLst>
+        </pc:spChg>
+        <pc:spChg chg="add del mod">
+          <ac:chgData name="ROSS" userId="437d5ef0-0a18-489e-8dc6-1572c226cd1f" providerId="ADAL" clId="{0B4BD7A0-FC59-42AE-B47E-742D93FEF3D9}" dt="2021-03-14T23:38:54.768" v="363" actId="478"/>
+          <ac:spMkLst>
+            <pc:docMk/>
+            <pc:sldMk cId="2718855042" sldId="256"/>
+            <ac:spMk id="12" creationId="{81F3A03E-4D5D-42F2-A0C5-AF42B8A3D8F9}"/>
+          </ac:spMkLst>
+        </pc:spChg>
+        <pc:spChg chg="add del mod">
+          <ac:chgData name="ROSS" userId="437d5ef0-0a18-489e-8dc6-1572c226cd1f" providerId="ADAL" clId="{0B4BD7A0-FC59-42AE-B47E-742D93FEF3D9}" dt="2021-03-02T14:33:44.347" v="156"/>
+          <ac:spMkLst>
+            <pc:docMk/>
+            <pc:sldMk cId="2718855042" sldId="256"/>
+            <ac:spMk id="12" creationId="{D1ADD1E5-9EB9-49CF-A87F-FB788CA367EC}"/>
+          </ac:spMkLst>
+        </pc:spChg>
+        <pc:spChg chg="add mod ord">
+          <ac:chgData name="ROSS" userId="437d5ef0-0a18-489e-8dc6-1572c226cd1f" providerId="ADAL" clId="{0B4BD7A0-FC59-42AE-B47E-742D93FEF3D9}" dt="2021-03-14T23:45:44.028" v="412" actId="14100"/>
+          <ac:spMkLst>
+            <pc:docMk/>
+            <pc:sldMk cId="2718855042" sldId="256"/>
+            <ac:spMk id="13" creationId="{8255F5D6-98BD-4D0B-9E37-BE5F246A7C71}"/>
+          </ac:spMkLst>
+        </pc:spChg>
+        <pc:spChg chg="add mod ord">
+          <ac:chgData name="ROSS" userId="437d5ef0-0a18-489e-8dc6-1572c226cd1f" providerId="ADAL" clId="{0B4BD7A0-FC59-42AE-B47E-742D93FEF3D9}" dt="2021-03-14T23:46:17.432" v="419" actId="14100"/>
+          <ac:spMkLst>
+            <pc:docMk/>
+            <pc:sldMk cId="2718855042" sldId="256"/>
+            <ac:spMk id="14" creationId="{E8A12425-9662-4CEF-9B59-D5E60F6E3B12}"/>
+          </ac:spMkLst>
+        </pc:spChg>
+        <pc:spChg chg="add del mod">
+          <ac:chgData name="ROSS" userId="437d5ef0-0a18-489e-8dc6-1572c226cd1f" providerId="ADAL" clId="{0B4BD7A0-FC59-42AE-B47E-742D93FEF3D9}" dt="2021-03-10T22:36:02.553" v="184" actId="931"/>
+          <ac:spMkLst>
+            <pc:docMk/>
+            <pc:sldMk cId="2718855042" sldId="256"/>
+            <ac:spMk id="15" creationId="{10DB0757-403B-46EF-8BE5-B1F3FDF40778}"/>
+          </ac:spMkLst>
+        </pc:spChg>
+        <pc:spChg chg="add mod">
+          <ac:chgData name="ROSS" userId="437d5ef0-0a18-489e-8dc6-1572c226cd1f" providerId="ADAL" clId="{0B4BD7A0-FC59-42AE-B47E-742D93FEF3D9}" dt="2021-03-15T00:00:50.167" v="633" actId="20577"/>
+          <ac:spMkLst>
+            <pc:docMk/>
+            <pc:sldMk cId="2718855042" sldId="256"/>
+            <ac:spMk id="15" creationId="{57C81BCE-FC01-421E-B9E6-C1F8861C9B79}"/>
+          </ac:spMkLst>
+        </pc:spChg>
+        <pc:spChg chg="add mod">
+          <ac:chgData name="ROSS" userId="437d5ef0-0a18-489e-8dc6-1572c226cd1f" providerId="ADAL" clId="{0B4BD7A0-FC59-42AE-B47E-742D93FEF3D9}" dt="2021-03-14T23:46:07.564" v="417" actId="14100"/>
+          <ac:spMkLst>
+            <pc:docMk/>
+            <pc:sldMk cId="2718855042" sldId="256"/>
+            <ac:spMk id="16" creationId="{3D3DEF95-1EF2-4AAE-BDE0-C166B7103E4A}"/>
+          </ac:spMkLst>
+        </pc:spChg>
+        <pc:spChg chg="add mod">
+          <ac:chgData name="ROSS" userId="437d5ef0-0a18-489e-8dc6-1572c226cd1f" providerId="ADAL" clId="{0B4BD7A0-FC59-42AE-B47E-742D93FEF3D9}" dt="2021-03-14T23:52:40.161" v="486" actId="1076"/>
+          <ac:spMkLst>
+            <pc:docMk/>
+            <pc:sldMk cId="2718855042" sldId="256"/>
+            <ac:spMk id="17" creationId="{40D11A91-5EA7-4194-A1CA-01B260AFA662}"/>
+          </ac:spMkLst>
+        </pc:spChg>
+        <pc:spChg chg="add mod">
+          <ac:chgData name="ROSS" userId="437d5ef0-0a18-489e-8dc6-1572c226cd1f" providerId="ADAL" clId="{0B4BD7A0-FC59-42AE-B47E-742D93FEF3D9}" dt="2021-03-14T23:50:31.242" v="470" actId="20577"/>
+          <ac:spMkLst>
+            <pc:docMk/>
+            <pc:sldMk cId="2718855042" sldId="256"/>
+            <ac:spMk id="18" creationId="{8322091D-4D1A-4CB4-896A-09B6A1A010C9}"/>
+          </ac:spMkLst>
+        </pc:spChg>
+        <pc:spChg chg="add mod">
+          <ac:chgData name="ROSS" userId="437d5ef0-0a18-489e-8dc6-1572c226cd1f" providerId="ADAL" clId="{0B4BD7A0-FC59-42AE-B47E-742D93FEF3D9}" dt="2021-03-14T23:52:35.198" v="483" actId="1076"/>
+          <ac:spMkLst>
+            <pc:docMk/>
+            <pc:sldMk cId="2718855042" sldId="256"/>
+            <ac:spMk id="19" creationId="{F3B87A63-755F-48A7-82B7-6837939F671A}"/>
+          </ac:spMkLst>
+        </pc:spChg>
+        <pc:spChg chg="add mod">
+          <ac:chgData name="ROSS" userId="437d5ef0-0a18-489e-8dc6-1572c226cd1f" providerId="ADAL" clId="{0B4BD7A0-FC59-42AE-B47E-742D93FEF3D9}" dt="2021-03-14T23:49:18.221" v="452" actId="20577"/>
+          <ac:spMkLst>
+            <pc:docMk/>
+            <pc:sldMk cId="2718855042" sldId="256"/>
+            <ac:spMk id="20" creationId="{590FAD52-4EA7-49E1-A60B-B4D6F5EDE89C}"/>
+          </ac:spMkLst>
+        </pc:spChg>
+        <pc:spChg chg="add mod">
+          <ac:chgData name="ROSS" userId="437d5ef0-0a18-489e-8dc6-1572c226cd1f" providerId="ADAL" clId="{0B4BD7A0-FC59-42AE-B47E-742D93FEF3D9}" dt="2021-03-15T00:01:02.485" v="634" actId="1076"/>
+          <ac:spMkLst>
+            <pc:docMk/>
+            <pc:sldMk cId="2718855042" sldId="256"/>
+            <ac:spMk id="21" creationId="{D825C845-35AA-417B-9E38-EAF146975869}"/>
+          </ac:spMkLst>
+        </pc:spChg>
+        <pc:picChg chg="add del mod">
+          <ac:chgData name="ROSS" userId="437d5ef0-0a18-489e-8dc6-1572c226cd1f" providerId="ADAL" clId="{0B4BD7A0-FC59-42AE-B47E-742D93FEF3D9}" dt="2021-03-10T22:36:21.831" v="193" actId="478"/>
+          <ac:picMkLst>
+            <pc:docMk/>
+            <pc:sldMk cId="2718855042" sldId="256"/>
+            <ac:picMk id="4" creationId="{71CCC32B-C65F-4A1B-A4D8-A69117D676A1}"/>
+          </ac:picMkLst>
+        </pc:picChg>
+        <pc:picChg chg="add del">
+          <ac:chgData name="ROSS" userId="437d5ef0-0a18-489e-8dc6-1572c226cd1f" providerId="ADAL" clId="{0B4BD7A0-FC59-42AE-B47E-742D93FEF3D9}" dt="2021-03-02T14:18:03.417" v="8"/>
+          <ac:picMkLst>
+            <pc:docMk/>
+            <pc:sldMk cId="2718855042" sldId="256"/>
+            <ac:picMk id="4" creationId="{C9A9F21F-4772-4A28-9BB3-F03131522057}"/>
+          </ac:picMkLst>
+        </pc:picChg>
+        <pc:picChg chg="add mod ord modCrop">
+          <ac:chgData name="ROSS" userId="437d5ef0-0a18-489e-8dc6-1572c226cd1f" providerId="ADAL" clId="{0B4BD7A0-FC59-42AE-B47E-742D93FEF3D9}" dt="2021-03-14T23:48:48.148" v="438" actId="1076"/>
+          <ac:picMkLst>
+            <pc:docMk/>
+            <pc:sldMk cId="2718855042" sldId="256"/>
+            <ac:picMk id="6" creationId="{7285B32B-8FC0-4BB1-91CA-446C613C49EB}"/>
+          </ac:picMkLst>
+        </pc:picChg>
+        <pc:picChg chg="add del mod">
+          <ac:chgData name="ROSS" userId="437d5ef0-0a18-489e-8dc6-1572c226cd1f" providerId="ADAL" clId="{0B4BD7A0-FC59-42AE-B47E-742D93FEF3D9}" dt="2021-03-02T14:38:32.868" v="182" actId="478"/>
+          <ac:picMkLst>
+            <pc:docMk/>
+            <pc:sldMk cId="2718855042" sldId="256"/>
+            <ac:picMk id="6" creationId="{C6ACF1DB-ACEA-464A-80B5-E736DF1D21E6}"/>
+          </ac:picMkLst>
+        </pc:picChg>
+        <pc:picChg chg="add mod">
+          <ac:chgData name="ROSS" userId="437d5ef0-0a18-489e-8dc6-1572c226cd1f" providerId="ADAL" clId="{0B4BD7A0-FC59-42AE-B47E-742D93FEF3D9}" dt="2021-03-14T23:46:36.892" v="420" actId="1076"/>
+          <ac:picMkLst>
+            <pc:docMk/>
+            <pc:sldMk cId="2718855042" sldId="256"/>
+            <ac:picMk id="11" creationId="{9C8C7241-E667-4FC5-9ED9-3C451E4C7739}"/>
+          </ac:picMkLst>
+        </pc:picChg>
+      </pc:sldChg>
+    </pc:docChg>
+  </pc:docChgLst>
   <pc:docChgLst>
     <pc:chgData name="ROSS MONAGHAN - STUDENT" userId="437d5ef0-0a18-489e-8dc6-1572c226cd1f" providerId="ADAL" clId="{0B4BD7A0-FC59-42AE-B47E-742D93FEF3D9}"/>
     <pc:docChg chg="undo custSel addSld modSld modMainMaster">
@@ -602,7 +865,7 @@
           <a:p>
             <a:fld id="{B2C75E35-6B22-4CD3-995F-845FED8801B9}" type="datetimeFigureOut">
               <a:rPr lang="en-IE" smtClean="0"/>
-              <a:t>23/02/2021</a:t>
+              <a:t>14/03/2021</a:t>
             </a:fld>
             <a:endParaRPr lang="en-IE"/>
           </a:p>
@@ -772,7 +1035,7 @@
           <a:p>
             <a:fld id="{B2C75E35-6B22-4CD3-995F-845FED8801B9}" type="datetimeFigureOut">
               <a:rPr lang="en-IE" smtClean="0"/>
-              <a:t>23/02/2021</a:t>
+              <a:t>14/03/2021</a:t>
             </a:fld>
             <a:endParaRPr lang="en-IE"/>
           </a:p>
@@ -952,7 +1215,7 @@
           <a:p>
             <a:fld id="{B2C75E35-6B22-4CD3-995F-845FED8801B9}" type="datetimeFigureOut">
               <a:rPr lang="en-IE" smtClean="0"/>
-              <a:t>23/02/2021</a:t>
+              <a:t>14/03/2021</a:t>
             </a:fld>
             <a:endParaRPr lang="en-IE"/>
           </a:p>
@@ -1122,7 +1385,7 @@
           <a:p>
             <a:fld id="{B2C75E35-6B22-4CD3-995F-845FED8801B9}" type="datetimeFigureOut">
               <a:rPr lang="en-IE" smtClean="0"/>
-              <a:t>23/02/2021</a:t>
+              <a:t>14/03/2021</a:t>
             </a:fld>
             <a:endParaRPr lang="en-IE"/>
           </a:p>
@@ -1368,7 +1631,7 @@
           <a:p>
             <a:fld id="{B2C75E35-6B22-4CD3-995F-845FED8801B9}" type="datetimeFigureOut">
               <a:rPr lang="en-IE" smtClean="0"/>
-              <a:t>23/02/2021</a:t>
+              <a:t>14/03/2021</a:t>
             </a:fld>
             <a:endParaRPr lang="en-IE"/>
           </a:p>
@@ -1600,7 +1863,7 @@
           <a:p>
             <a:fld id="{B2C75E35-6B22-4CD3-995F-845FED8801B9}" type="datetimeFigureOut">
               <a:rPr lang="en-IE" smtClean="0"/>
-              <a:t>23/02/2021</a:t>
+              <a:t>14/03/2021</a:t>
             </a:fld>
             <a:endParaRPr lang="en-IE"/>
           </a:p>
@@ -1967,7 +2230,7 @@
           <a:p>
             <a:fld id="{B2C75E35-6B22-4CD3-995F-845FED8801B9}" type="datetimeFigureOut">
               <a:rPr lang="en-IE" smtClean="0"/>
-              <a:t>23/02/2021</a:t>
+              <a:t>14/03/2021</a:t>
             </a:fld>
             <a:endParaRPr lang="en-IE"/>
           </a:p>
@@ -2085,7 +2348,7 @@
           <a:p>
             <a:fld id="{B2C75E35-6B22-4CD3-995F-845FED8801B9}" type="datetimeFigureOut">
               <a:rPr lang="en-IE" smtClean="0"/>
-              <a:t>23/02/2021</a:t>
+              <a:t>14/03/2021</a:t>
             </a:fld>
             <a:endParaRPr lang="en-IE"/>
           </a:p>
@@ -2180,7 +2443,7 @@
           <a:p>
             <a:fld id="{B2C75E35-6B22-4CD3-995F-845FED8801B9}" type="datetimeFigureOut">
               <a:rPr lang="en-IE" smtClean="0"/>
-              <a:t>23/02/2021</a:t>
+              <a:t>14/03/2021</a:t>
             </a:fld>
             <a:endParaRPr lang="en-IE"/>
           </a:p>
@@ -2457,7 +2720,7 @@
           <a:p>
             <a:fld id="{B2C75E35-6B22-4CD3-995F-845FED8801B9}" type="datetimeFigureOut">
               <a:rPr lang="en-IE" smtClean="0"/>
-              <a:t>23/02/2021</a:t>
+              <a:t>14/03/2021</a:t>
             </a:fld>
             <a:endParaRPr lang="en-IE"/>
           </a:p>
@@ -2714,7 +2977,7 @@
           <a:p>
             <a:fld id="{B2C75E35-6B22-4CD3-995F-845FED8801B9}" type="datetimeFigureOut">
               <a:rPr lang="en-IE" smtClean="0"/>
-              <a:t>23/02/2021</a:t>
+              <a:t>14/03/2021</a:t>
             </a:fld>
             <a:endParaRPr lang="en-IE"/>
           </a:p>
@@ -2927,7 +3190,7 @@
           <a:p>
             <a:fld id="{B2C75E35-6B22-4CD3-995F-845FED8801B9}" type="datetimeFigureOut">
               <a:rPr lang="en-IE" smtClean="0"/>
-              <a:t>23/02/2021</a:t>
+              <a:t>14/03/2021</a:t>
             </a:fld>
             <a:endParaRPr lang="en-IE"/>
           </a:p>
@@ -3318,6 +3581,16 @@
 <file path=ppt/slides/slide1.xml><?xml version="1.0" encoding="utf-8"?>
 <p:sld xmlns:a="http://schemas.openxmlformats.org/drawingml/2006/main" xmlns:r="http://schemas.openxmlformats.org/officeDocument/2006/relationships" xmlns:p="http://schemas.openxmlformats.org/presentationml/2006/main">
   <p:cSld>
+    <p:bg>
+      <p:bgPr>
+        <a:solidFill>
+          <a:schemeClr val="bg1">
+            <a:lumMod val="95000"/>
+          </a:schemeClr>
+        </a:solidFill>
+        <a:effectLst/>
+      </p:bgPr>
+    </p:bg>
     <p:spTree>
       <p:nvGrpSpPr>
         <p:cNvPr id="1" name=""/>
@@ -3334,10 +3607,146 @@
       </p:grpSpPr>
       <p:sp>
         <p:nvSpPr>
+          <p:cNvPr id="3" name="Rectangle 2">
+            <a:extLst>
+              <a:ext uri="{FF2B5EF4-FFF2-40B4-BE49-F238E27FC236}">
+                <a16:creationId xmlns:a16="http://schemas.microsoft.com/office/drawing/2014/main" id="{2AB55E11-F418-4CDB-B647-07C2631F6C68}"/>
+              </a:ext>
+            </a:extLst>
+          </p:cNvPr>
+          <p:cNvSpPr/>
+          <p:nvPr/>
+        </p:nvSpPr>
+        <p:spPr>
+          <a:xfrm>
+            <a:off x="0" y="0"/>
+            <a:ext cx="21674138" cy="12192000"/>
+          </a:xfrm>
+          <a:prstGeom prst="rect">
+            <a:avLst/>
+          </a:prstGeom>
+          <a:solidFill>
+            <a:schemeClr val="tx1"/>
+          </a:solidFill>
+        </p:spPr>
+        <p:style>
+          <a:lnRef idx="2">
+            <a:schemeClr val="accent1">
+              <a:shade val="50000"/>
+            </a:schemeClr>
+          </a:lnRef>
+          <a:fillRef idx="1">
+            <a:schemeClr val="accent1"/>
+          </a:fillRef>
+          <a:effectRef idx="0">
+            <a:schemeClr val="accent1"/>
+          </a:effectRef>
+          <a:fontRef idx="minor">
+            <a:schemeClr val="lt1"/>
+          </a:fontRef>
+        </p:style>
+        <p:txBody>
+          <a:bodyPr rtlCol="0" anchor="ctr"/>
+          <a:lstStyle/>
+          <a:p>
+            <a:pPr algn="ctr"/>
+            <a:endParaRPr lang="en-IE"/>
+          </a:p>
+        </p:txBody>
+      </p:sp>
+      <p:sp>
+        <p:nvSpPr>
+          <p:cNvPr id="9" name="TextBox 8">
+            <a:extLst>
+              <a:ext uri="{FF2B5EF4-FFF2-40B4-BE49-F238E27FC236}">
+                <a16:creationId xmlns:a16="http://schemas.microsoft.com/office/drawing/2014/main" id="{BD696E0E-C6EB-462B-91E9-C02E501EA229}"/>
+              </a:ext>
+            </a:extLst>
+          </p:cNvPr>
+          <p:cNvSpPr txBox="1"/>
+          <p:nvPr/>
+        </p:nvSpPr>
+        <p:spPr>
+          <a:xfrm>
+            <a:off x="1490097" y="4152364"/>
+            <a:ext cx="2057775" cy="369332"/>
+          </a:xfrm>
+          <a:prstGeom prst="rect">
+            <a:avLst/>
+          </a:prstGeom>
+          <a:noFill/>
+        </p:spPr>
+        <p:txBody>
+          <a:bodyPr wrap="square" rtlCol="0">
+            <a:spAutoFit/>
+          </a:bodyPr>
+          <a:lstStyle/>
+          <a:p>
+            <a:r>
+              <a:rPr lang="en-IE" dirty="0"/>
+              <a:t>test</a:t>
+            </a:r>
+          </a:p>
+        </p:txBody>
+      </p:sp>
+      <p:sp>
+        <p:nvSpPr>
+          <p:cNvPr id="13" name="Rectangle 12">
+            <a:extLst>
+              <a:ext uri="{FF2B5EF4-FFF2-40B4-BE49-F238E27FC236}">
+                <a16:creationId xmlns:a16="http://schemas.microsoft.com/office/drawing/2014/main" id="{8255F5D6-98BD-4D0B-9E37-BE5F246A7C71}"/>
+              </a:ext>
+            </a:extLst>
+          </p:cNvPr>
+          <p:cNvSpPr/>
+          <p:nvPr/>
+        </p:nvSpPr>
+        <p:spPr>
+          <a:xfrm>
+            <a:off x="220530" y="213359"/>
+            <a:ext cx="5426409" cy="1192015"/>
+          </a:xfrm>
+          <a:prstGeom prst="rect">
+            <a:avLst/>
+          </a:prstGeom>
+          <a:solidFill>
+            <a:schemeClr val="accent4"/>
+          </a:solidFill>
+          <a:ln>
+            <a:noFill/>
+          </a:ln>
+        </p:spPr>
+        <p:style>
+          <a:lnRef idx="2">
+            <a:schemeClr val="accent1">
+              <a:shade val="50000"/>
+            </a:schemeClr>
+          </a:lnRef>
+          <a:fillRef idx="1">
+            <a:schemeClr val="accent1"/>
+          </a:fillRef>
+          <a:effectRef idx="0">
+            <a:schemeClr val="accent1"/>
+          </a:effectRef>
+          <a:fontRef idx="minor">
+            <a:schemeClr val="lt1"/>
+          </a:fontRef>
+        </p:style>
+        <p:txBody>
+          <a:bodyPr rtlCol="0" anchor="ctr"/>
+          <a:lstStyle/>
+          <a:p>
+            <a:pPr algn="ctr"/>
+            <a:endParaRPr lang="en-IE"/>
+          </a:p>
+        </p:txBody>
+      </p:sp>
+      <p:sp>
+        <p:nvSpPr>
           <p:cNvPr id="2" name="Title 1">
             <a:extLst>
               <a:ext uri="{FF2B5EF4-FFF2-40B4-BE49-F238E27FC236}">
-                <a16:creationId xmlns:a16="http://schemas.microsoft.com/office/drawing/2014/main" id="{00B0D2E5-809A-47FE-8A2B-D7AD1DFC57BC}"/>
+                <a16:creationId xmlns:a16="http://schemas.microsoft.com/office/drawing/2014/main" id="{C9A3DBE9-C590-4EC5-AFF1-C6C8DA943EDC}"/>
               </a:ext>
             </a:extLst>
           </p:cNvPr>
@@ -3350,65 +3759,32 @@
         </p:nvSpPr>
         <p:spPr>
           <a:xfrm>
-            <a:off x="0" y="0"/>
-            <a:ext cx="21674138" cy="2356556"/>
+            <a:off x="4606851" y="213360"/>
+            <a:ext cx="16846757" cy="1192014"/>
           </a:xfrm>
-          <a:noFill/>
-          <a:ln>
-            <a:solidFill>
-              <a:schemeClr val="tx1"/>
-            </a:solidFill>
-          </a:ln>
+          <a:solidFill>
+            <a:schemeClr val="accent4"/>
+          </a:solidFill>
         </p:spPr>
         <p:txBody>
-          <a:bodyPr/>
-          <a:lstStyle/>
-          <a:p>
-            <a:endParaRPr lang="en-IE" dirty="0"/>
-          </a:p>
-        </p:txBody>
-      </p:sp>
-      <p:sp>
-        <p:nvSpPr>
-          <p:cNvPr id="3" name="Content Placeholder 2">
+          <a:bodyPr>
+            <a:noAutofit/>
+          </a:bodyPr>
+          <a:lstStyle/>
+          <a:p>
+            <a:r>
+              <a:rPr lang="en-IE" sz="7200" dirty="0"/>
+              <a:t>Exposition Attendee Gaze Tracking System </a:t>
+            </a:r>
+          </a:p>
+        </p:txBody>
+      </p:sp>
+      <p:pic>
+        <p:nvPicPr>
+          <p:cNvPr id="11" name="Picture 10" descr="Logo, company name&#10;&#10;Description automatically generated">
             <a:extLst>
               <a:ext uri="{FF2B5EF4-FFF2-40B4-BE49-F238E27FC236}">
-                <a16:creationId xmlns:a16="http://schemas.microsoft.com/office/drawing/2014/main" id="{3E9D1F82-AE25-404D-944A-1D23FBE49953}"/>
-              </a:ext>
-            </a:extLst>
-          </p:cNvPr>
-          <p:cNvSpPr>
-            <a:spLocks noGrp="1"/>
-          </p:cNvSpPr>
-          <p:nvPr>
-            <p:ph sz="half" idx="1"/>
-          </p:nvPr>
-        </p:nvSpPr>
-        <p:spPr>
-          <a:xfrm>
-            <a:off x="1" y="2356556"/>
-            <a:ext cx="7114032" cy="9825624"/>
-          </a:xfrm>
-          <a:ln>
-            <a:solidFill>
-              <a:schemeClr val="tx1"/>
-            </a:solidFill>
-          </a:ln>
-        </p:spPr>
-        <p:txBody>
-          <a:bodyPr/>
-          <a:lstStyle/>
-          <a:p>
-            <a:endParaRPr lang="en-IE" dirty="0"/>
-          </a:p>
-        </p:txBody>
-      </p:sp>
-      <p:pic>
-        <p:nvPicPr>
-          <p:cNvPr id="5" name="Picture 4">
-            <a:extLst>
-              <a:ext uri="{FF2B5EF4-FFF2-40B4-BE49-F238E27FC236}">
-                <a16:creationId xmlns:a16="http://schemas.microsoft.com/office/drawing/2014/main" id="{23E0035B-4F7C-4BA8-9A4E-9B8879AB11C0}"/>
+                <a16:creationId xmlns:a16="http://schemas.microsoft.com/office/drawing/2014/main" id="{9C8C7241-E667-4FC5-9ED9-3C451E4C7739}"/>
               </a:ext>
             </a:extLst>
           </p:cNvPr>
@@ -3418,27 +3794,89 @@
           <p:nvPr/>
         </p:nvPicPr>
         <p:blipFill>
-          <a:blip r:embed="rId2"/>
+          <a:blip r:embed="rId2">
+            <a:extLst>
+              <a:ext uri="{28A0092B-C50C-407E-A947-70E740481C1C}">
+                <a14:useLocalDpi xmlns:a14="http://schemas.microsoft.com/office/drawing/2010/main" val="0"/>
+              </a:ext>
+            </a:extLst>
+          </a:blip>
           <a:stretch>
             <a:fillRect/>
           </a:stretch>
         </p:blipFill>
         <p:spPr>
           <a:xfrm>
-            <a:off x="7130891" y="2358300"/>
-            <a:ext cx="7263194" cy="9833700"/>
+            <a:off x="464575" y="-80388"/>
+            <a:ext cx="3677701" cy="1779510"/>
           </a:xfrm>
           <a:prstGeom prst="rect">
             <a:avLst/>
           </a:prstGeom>
         </p:spPr>
       </p:pic>
+      <p:sp>
+        <p:nvSpPr>
+          <p:cNvPr id="14" name="Rectangle 13">
+            <a:extLst>
+              <a:ext uri="{FF2B5EF4-FFF2-40B4-BE49-F238E27FC236}">
+                <a16:creationId xmlns:a16="http://schemas.microsoft.com/office/drawing/2014/main" id="{E8A12425-9662-4CEF-9B59-D5E60F6E3B12}"/>
+              </a:ext>
+            </a:extLst>
+          </p:cNvPr>
+          <p:cNvSpPr/>
+          <p:nvPr/>
+        </p:nvSpPr>
+        <p:spPr>
+          <a:xfrm>
+            <a:off x="5867469" y="1405372"/>
+            <a:ext cx="9939203" cy="10573266"/>
+          </a:xfrm>
+          <a:prstGeom prst="rect">
+            <a:avLst/>
+          </a:prstGeom>
+          <a:solidFill>
+            <a:schemeClr val="bg2">
+              <a:lumMod val="90000"/>
+            </a:schemeClr>
+          </a:solidFill>
+          <a:ln>
+            <a:solidFill>
+              <a:schemeClr val="tx1"/>
+            </a:solidFill>
+          </a:ln>
+        </p:spPr>
+        <p:style>
+          <a:lnRef idx="2">
+            <a:schemeClr val="accent1">
+              <a:shade val="50000"/>
+            </a:schemeClr>
+          </a:lnRef>
+          <a:fillRef idx="1">
+            <a:schemeClr val="accent1"/>
+          </a:fillRef>
+          <a:effectRef idx="0">
+            <a:schemeClr val="accent1"/>
+          </a:effectRef>
+          <a:fontRef idx="minor">
+            <a:schemeClr val="lt1"/>
+          </a:fontRef>
+        </p:style>
+        <p:txBody>
+          <a:bodyPr rtlCol="0" anchor="ctr"/>
+          <a:lstStyle/>
+          <a:p>
+            <a:pPr algn="ctr"/>
+            <a:endParaRPr lang="en-IE"/>
+          </a:p>
+        </p:txBody>
+      </p:sp>
       <p:pic>
         <p:nvPicPr>
-          <p:cNvPr id="6" name="Picture 5">
+          <p:cNvPr id="6" name="Picture 5" descr="Graphical user interface, diagram, application&#10;&#10;Description automatically generated">
             <a:extLst>
               <a:ext uri="{FF2B5EF4-FFF2-40B4-BE49-F238E27FC236}">
-                <a16:creationId xmlns:a16="http://schemas.microsoft.com/office/drawing/2014/main" id="{39D063B1-54C8-4A6F-BF3F-140C04F57FDE}"/>
+                <a16:creationId xmlns:a16="http://schemas.microsoft.com/office/drawing/2014/main" id="{7285B32B-8FC0-4BB1-91CA-446C613C49EB}"/>
               </a:ext>
             </a:extLst>
           </p:cNvPr>
@@ -3447,26 +3885,573 @@
           </p:cNvPicPr>
           <p:nvPr/>
         </p:nvPicPr>
-        <p:blipFill>
-          <a:blip r:embed="rId2"/>
-          <a:stretch>
-            <a:fillRect/>
-          </a:stretch>
+        <p:blipFill rotWithShape="1">
+          <a:blip r:embed="rId3">
+            <a:extLst>
+              <a:ext uri="{28A0092B-C50C-407E-A947-70E740481C1C}">
+                <a14:useLocalDpi xmlns:a14="http://schemas.microsoft.com/office/drawing/2010/main" val="0"/>
+              </a:ext>
+            </a:extLst>
+          </a:blip>
+          <a:srcRect l="3603" t="5816" r="3703" b="6223"/>
+          <a:stretch/>
         </p:blipFill>
         <p:spPr>
           <a:xfrm>
-            <a:off x="14394086" y="2358300"/>
-            <a:ext cx="7280054" cy="9833700"/>
+            <a:off x="6618074" y="1618733"/>
+            <a:ext cx="8437990" cy="4965720"/>
           </a:xfrm>
           <a:prstGeom prst="rect">
             <a:avLst/>
           </a:prstGeom>
+          <a:ln>
+            <a:solidFill>
+              <a:schemeClr val="tx1"/>
+            </a:solidFill>
+          </a:ln>
         </p:spPr>
       </p:pic>
+      <p:sp>
+        <p:nvSpPr>
+          <p:cNvPr id="16" name="Rectangle 15">
+            <a:extLst>
+              <a:ext uri="{FF2B5EF4-FFF2-40B4-BE49-F238E27FC236}">
+                <a16:creationId xmlns:a16="http://schemas.microsoft.com/office/drawing/2014/main" id="{3D3DEF95-1EF2-4AAE-BDE0-C166B7103E4A}"/>
+              </a:ext>
+            </a:extLst>
+          </p:cNvPr>
+          <p:cNvSpPr/>
+          <p:nvPr/>
+        </p:nvSpPr>
+        <p:spPr>
+          <a:xfrm>
+            <a:off x="220530" y="1405374"/>
+            <a:ext cx="6161982" cy="10573266"/>
+          </a:xfrm>
+          <a:prstGeom prst="rect">
+            <a:avLst/>
+          </a:prstGeom>
+          <a:solidFill>
+            <a:schemeClr val="bg2"/>
+          </a:solidFill>
+          <a:ln>
+            <a:solidFill>
+              <a:schemeClr val="tx1"/>
+            </a:solidFill>
+          </a:ln>
+        </p:spPr>
+        <p:style>
+          <a:lnRef idx="2">
+            <a:schemeClr val="accent1">
+              <a:shade val="50000"/>
+            </a:schemeClr>
+          </a:lnRef>
+          <a:fillRef idx="1">
+            <a:schemeClr val="accent1"/>
+          </a:fillRef>
+          <a:effectRef idx="0">
+            <a:schemeClr val="accent1"/>
+          </a:effectRef>
+          <a:fontRef idx="minor">
+            <a:schemeClr val="lt1"/>
+          </a:fontRef>
+        </p:style>
+        <p:txBody>
+          <a:bodyPr rtlCol="0" anchor="ctr"/>
+          <a:lstStyle/>
+          <a:p>
+            <a:pPr algn="ctr"/>
+            <a:endParaRPr lang="en-IE"/>
+          </a:p>
+        </p:txBody>
+      </p:sp>
+      <p:sp>
+        <p:nvSpPr>
+          <p:cNvPr id="17" name="Rectangle 16">
+            <a:extLst>
+              <a:ext uri="{FF2B5EF4-FFF2-40B4-BE49-F238E27FC236}">
+                <a16:creationId xmlns:a16="http://schemas.microsoft.com/office/drawing/2014/main" id="{40D11A91-5EA7-4194-A1CA-01B260AFA662}"/>
+              </a:ext>
+            </a:extLst>
+          </p:cNvPr>
+          <p:cNvSpPr/>
+          <p:nvPr/>
+        </p:nvSpPr>
+        <p:spPr>
+          <a:xfrm>
+            <a:off x="15291629" y="1405374"/>
+            <a:ext cx="6161979" cy="10573266"/>
+          </a:xfrm>
+          <a:prstGeom prst="rect">
+            <a:avLst/>
+          </a:prstGeom>
+          <a:solidFill>
+            <a:schemeClr val="bg2"/>
+          </a:solidFill>
+          <a:ln>
+            <a:solidFill>
+              <a:schemeClr val="tx1"/>
+            </a:solidFill>
+          </a:ln>
+        </p:spPr>
+        <p:style>
+          <a:lnRef idx="2">
+            <a:schemeClr val="accent1">
+              <a:shade val="50000"/>
+            </a:schemeClr>
+          </a:lnRef>
+          <a:fillRef idx="1">
+            <a:schemeClr val="accent1"/>
+          </a:fillRef>
+          <a:effectRef idx="0">
+            <a:schemeClr val="accent1"/>
+          </a:effectRef>
+          <a:fontRef idx="minor">
+            <a:schemeClr val="lt1"/>
+          </a:fontRef>
+        </p:style>
+        <p:txBody>
+          <a:bodyPr rtlCol="0" anchor="ctr"/>
+          <a:lstStyle/>
+          <a:p>
+            <a:pPr algn="ctr"/>
+            <a:endParaRPr lang="en-IE"/>
+          </a:p>
+        </p:txBody>
+      </p:sp>
+      <p:sp>
+        <p:nvSpPr>
+          <p:cNvPr id="10" name="Rectangle 9">
+            <a:extLst>
+              <a:ext uri="{FF2B5EF4-FFF2-40B4-BE49-F238E27FC236}">
+                <a16:creationId xmlns:a16="http://schemas.microsoft.com/office/drawing/2014/main" id="{EE368EB3-B55D-41F4-955E-ACD5E1E9A31A}"/>
+              </a:ext>
+            </a:extLst>
+          </p:cNvPr>
+          <p:cNvSpPr/>
+          <p:nvPr/>
+        </p:nvSpPr>
+        <p:spPr>
+          <a:xfrm>
+            <a:off x="478051" y="1618733"/>
+            <a:ext cx="5646939" cy="634467"/>
+          </a:xfrm>
+          <a:prstGeom prst="rect">
+            <a:avLst/>
+          </a:prstGeom>
+          <a:solidFill>
+            <a:schemeClr val="accent5">
+              <a:lumMod val="40000"/>
+              <a:lumOff val="60000"/>
+            </a:schemeClr>
+          </a:solidFill>
+          <a:ln>
+            <a:noFill/>
+          </a:ln>
+        </p:spPr>
+        <p:style>
+          <a:lnRef idx="2">
+            <a:schemeClr val="accent1">
+              <a:shade val="50000"/>
+            </a:schemeClr>
+          </a:lnRef>
+          <a:fillRef idx="1">
+            <a:schemeClr val="accent1"/>
+          </a:fillRef>
+          <a:effectRef idx="0">
+            <a:schemeClr val="accent1"/>
+          </a:effectRef>
+          <a:fontRef idx="minor">
+            <a:schemeClr val="lt1"/>
+          </a:fontRef>
+        </p:style>
+        <p:txBody>
+          <a:bodyPr rtlCol="0" anchor="ctr"/>
+          <a:lstStyle/>
+          <a:p>
+            <a:pPr algn="ctr"/>
+            <a:r>
+              <a:rPr lang="en-IE" sz="3200" b="1" dirty="0">
+                <a:solidFill>
+                  <a:schemeClr val="tx1"/>
+                </a:solidFill>
+                <a:latin typeface="+mj-lt"/>
+              </a:rPr>
+              <a:t>Summary</a:t>
+            </a:r>
+          </a:p>
+        </p:txBody>
+      </p:sp>
+      <p:sp>
+        <p:nvSpPr>
+          <p:cNvPr id="15" name="Rectangle 14">
+            <a:extLst>
+              <a:ext uri="{FF2B5EF4-FFF2-40B4-BE49-F238E27FC236}">
+                <a16:creationId xmlns:a16="http://schemas.microsoft.com/office/drawing/2014/main" id="{57C81BCE-FC01-421E-B9E6-C1F8861C9B79}"/>
+              </a:ext>
+            </a:extLst>
+          </p:cNvPr>
+          <p:cNvSpPr/>
+          <p:nvPr/>
+        </p:nvSpPr>
+        <p:spPr>
+          <a:xfrm>
+            <a:off x="478051" y="9132127"/>
+            <a:ext cx="5646939" cy="634467"/>
+          </a:xfrm>
+          <a:prstGeom prst="rect">
+            <a:avLst/>
+          </a:prstGeom>
+          <a:solidFill>
+            <a:schemeClr val="accent5">
+              <a:lumMod val="40000"/>
+              <a:lumOff val="60000"/>
+            </a:schemeClr>
+          </a:solidFill>
+          <a:ln>
+            <a:noFill/>
+          </a:ln>
+        </p:spPr>
+        <p:style>
+          <a:lnRef idx="2">
+            <a:schemeClr val="accent1">
+              <a:shade val="50000"/>
+            </a:schemeClr>
+          </a:lnRef>
+          <a:fillRef idx="1">
+            <a:schemeClr val="accent1"/>
+          </a:fillRef>
+          <a:effectRef idx="0">
+            <a:schemeClr val="accent1"/>
+          </a:effectRef>
+          <a:fontRef idx="minor">
+            <a:schemeClr val="lt1"/>
+          </a:fontRef>
+        </p:style>
+        <p:txBody>
+          <a:bodyPr rtlCol="0" anchor="ctr"/>
+          <a:lstStyle/>
+          <a:p>
+            <a:pPr algn="ctr"/>
+            <a:r>
+              <a:rPr lang="en-IE" sz="3200" b="1" dirty="0">
+                <a:solidFill>
+                  <a:schemeClr val="tx1"/>
+                </a:solidFill>
+                <a:latin typeface="+mj-lt"/>
+              </a:rPr>
+              <a:t>[placeholder]</a:t>
+            </a:r>
+          </a:p>
+        </p:txBody>
+      </p:sp>
+      <p:sp>
+        <p:nvSpPr>
+          <p:cNvPr id="18" name="Rectangle 17">
+            <a:extLst>
+              <a:ext uri="{FF2B5EF4-FFF2-40B4-BE49-F238E27FC236}">
+                <a16:creationId xmlns:a16="http://schemas.microsoft.com/office/drawing/2014/main" id="{8322091D-4D1A-4CB4-896A-09B6A1A010C9}"/>
+              </a:ext>
+            </a:extLst>
+          </p:cNvPr>
+          <p:cNvSpPr/>
+          <p:nvPr/>
+        </p:nvSpPr>
+        <p:spPr>
+          <a:xfrm>
+            <a:off x="15549148" y="1618733"/>
+            <a:ext cx="5646939" cy="634467"/>
+          </a:xfrm>
+          <a:prstGeom prst="rect">
+            <a:avLst/>
+          </a:prstGeom>
+          <a:solidFill>
+            <a:schemeClr val="accent5">
+              <a:lumMod val="40000"/>
+              <a:lumOff val="60000"/>
+            </a:schemeClr>
+          </a:solidFill>
+          <a:ln>
+            <a:noFill/>
+          </a:ln>
+        </p:spPr>
+        <p:style>
+          <a:lnRef idx="2">
+            <a:schemeClr val="accent1">
+              <a:shade val="50000"/>
+            </a:schemeClr>
+          </a:lnRef>
+          <a:fillRef idx="1">
+            <a:schemeClr val="accent1"/>
+          </a:fillRef>
+          <a:effectRef idx="0">
+            <a:schemeClr val="accent1"/>
+          </a:effectRef>
+          <a:fontRef idx="minor">
+            <a:schemeClr val="lt1"/>
+          </a:fontRef>
+        </p:style>
+        <p:txBody>
+          <a:bodyPr rtlCol="0" anchor="ctr"/>
+          <a:lstStyle/>
+          <a:p>
+            <a:pPr algn="ctr"/>
+            <a:r>
+              <a:rPr lang="en-IE" sz="3200" b="1" dirty="0">
+                <a:solidFill>
+                  <a:schemeClr val="tx1"/>
+                </a:solidFill>
+                <a:latin typeface="+mj-lt"/>
+              </a:rPr>
+              <a:t>Results</a:t>
+            </a:r>
+            <a:endParaRPr lang="en-IE" sz="4000" b="1" dirty="0">
+              <a:solidFill>
+                <a:schemeClr val="tx1"/>
+              </a:solidFill>
+              <a:latin typeface="+mj-lt"/>
+            </a:endParaRPr>
+          </a:p>
+        </p:txBody>
+      </p:sp>
+      <p:sp>
+        <p:nvSpPr>
+          <p:cNvPr id="19" name="Rectangle 18">
+            <a:extLst>
+              <a:ext uri="{FF2B5EF4-FFF2-40B4-BE49-F238E27FC236}">
+                <a16:creationId xmlns:a16="http://schemas.microsoft.com/office/drawing/2014/main" id="{F3B87A63-755F-48A7-82B7-6837939F671A}"/>
+              </a:ext>
+            </a:extLst>
+          </p:cNvPr>
+          <p:cNvSpPr/>
+          <p:nvPr/>
+        </p:nvSpPr>
+        <p:spPr>
+          <a:xfrm>
+            <a:off x="15549148" y="6174186"/>
+            <a:ext cx="5646939" cy="634467"/>
+          </a:xfrm>
+          <a:prstGeom prst="rect">
+            <a:avLst/>
+          </a:prstGeom>
+          <a:solidFill>
+            <a:schemeClr val="accent5">
+              <a:lumMod val="40000"/>
+              <a:lumOff val="60000"/>
+            </a:schemeClr>
+          </a:solidFill>
+          <a:ln>
+            <a:noFill/>
+          </a:ln>
+        </p:spPr>
+        <p:style>
+          <a:lnRef idx="2">
+            <a:schemeClr val="accent1">
+              <a:shade val="50000"/>
+            </a:schemeClr>
+          </a:lnRef>
+          <a:fillRef idx="1">
+            <a:schemeClr val="accent1"/>
+          </a:fillRef>
+          <a:effectRef idx="0">
+            <a:schemeClr val="accent1"/>
+          </a:effectRef>
+          <a:fontRef idx="minor">
+            <a:schemeClr val="lt1"/>
+          </a:fontRef>
+        </p:style>
+        <p:txBody>
+          <a:bodyPr rtlCol="0" anchor="ctr"/>
+          <a:lstStyle/>
+          <a:p>
+            <a:pPr algn="ctr"/>
+            <a:r>
+              <a:rPr lang="en-IE" sz="3200" b="1" dirty="0">
+                <a:solidFill>
+                  <a:schemeClr val="tx1"/>
+                </a:solidFill>
+                <a:latin typeface="+mj-lt"/>
+              </a:rPr>
+              <a:t>Conclusion</a:t>
+            </a:r>
+          </a:p>
+        </p:txBody>
+      </p:sp>
+      <p:sp>
+        <p:nvSpPr>
+          <p:cNvPr id="20" name="Rectangle 19">
+            <a:extLst>
+              <a:ext uri="{FF2B5EF4-FFF2-40B4-BE49-F238E27FC236}">
+                <a16:creationId xmlns:a16="http://schemas.microsoft.com/office/drawing/2014/main" id="{590FAD52-4EA7-49E1-A60B-B4D6F5EDE89C}"/>
+              </a:ext>
+            </a:extLst>
+          </p:cNvPr>
+          <p:cNvSpPr/>
+          <p:nvPr/>
+        </p:nvSpPr>
+        <p:spPr>
+          <a:xfrm>
+            <a:off x="6640032" y="6808653"/>
+            <a:ext cx="8394075" cy="634467"/>
+          </a:xfrm>
+          <a:prstGeom prst="rect">
+            <a:avLst/>
+          </a:prstGeom>
+          <a:solidFill>
+            <a:schemeClr val="accent5">
+              <a:lumMod val="40000"/>
+              <a:lumOff val="60000"/>
+            </a:schemeClr>
+          </a:solidFill>
+          <a:ln>
+            <a:noFill/>
+          </a:ln>
+        </p:spPr>
+        <p:style>
+          <a:lnRef idx="2">
+            <a:schemeClr val="accent1">
+              <a:shade val="50000"/>
+            </a:schemeClr>
+          </a:lnRef>
+          <a:fillRef idx="1">
+            <a:schemeClr val="accent1"/>
+          </a:fillRef>
+          <a:effectRef idx="0">
+            <a:schemeClr val="accent1"/>
+          </a:effectRef>
+          <a:fontRef idx="minor">
+            <a:schemeClr val="lt1"/>
+          </a:fontRef>
+        </p:style>
+        <p:txBody>
+          <a:bodyPr rtlCol="0" anchor="ctr"/>
+          <a:lstStyle/>
+          <a:p>
+            <a:pPr algn="ctr"/>
+            <a:r>
+              <a:rPr lang="en-IE" sz="3200" b="1" dirty="0">
+                <a:solidFill>
+                  <a:schemeClr val="tx1"/>
+                </a:solidFill>
+                <a:latin typeface="+mj-lt"/>
+              </a:rPr>
+              <a:t>Technologies</a:t>
+            </a:r>
+          </a:p>
+        </p:txBody>
+      </p:sp>
+      <p:sp>
+        <p:nvSpPr>
+          <p:cNvPr id="21" name="Rectangle 20">
+            <a:extLst>
+              <a:ext uri="{FF2B5EF4-FFF2-40B4-BE49-F238E27FC236}">
+                <a16:creationId xmlns:a16="http://schemas.microsoft.com/office/drawing/2014/main" id="{D825C845-35AA-417B-9E38-EAF146975869}"/>
+              </a:ext>
+            </a:extLst>
+          </p:cNvPr>
+          <p:cNvSpPr/>
+          <p:nvPr/>
+        </p:nvSpPr>
+        <p:spPr>
+          <a:xfrm>
+            <a:off x="15546992" y="9449360"/>
+            <a:ext cx="5646939" cy="634467"/>
+          </a:xfrm>
+          <a:prstGeom prst="rect">
+            <a:avLst/>
+          </a:prstGeom>
+          <a:solidFill>
+            <a:schemeClr val="accent5">
+              <a:lumMod val="40000"/>
+              <a:lumOff val="60000"/>
+            </a:schemeClr>
+          </a:solidFill>
+          <a:ln>
+            <a:noFill/>
+          </a:ln>
+        </p:spPr>
+        <p:style>
+          <a:lnRef idx="2">
+            <a:schemeClr val="accent1">
+              <a:shade val="50000"/>
+            </a:schemeClr>
+          </a:lnRef>
+          <a:fillRef idx="1">
+            <a:schemeClr val="accent1"/>
+          </a:fillRef>
+          <a:effectRef idx="0">
+            <a:schemeClr val="accent1"/>
+          </a:effectRef>
+          <a:fontRef idx="minor">
+            <a:schemeClr val="lt1"/>
+          </a:fontRef>
+        </p:style>
+        <p:txBody>
+          <a:bodyPr rtlCol="0" anchor="ctr"/>
+          <a:lstStyle/>
+          <a:p>
+            <a:pPr algn="ctr"/>
+            <a:r>
+              <a:rPr lang="en-IE" sz="3200" b="1" dirty="0">
+                <a:solidFill>
+                  <a:schemeClr val="tx1"/>
+                </a:solidFill>
+                <a:latin typeface="+mj-lt"/>
+              </a:rPr>
+              <a:t>Info</a:t>
+            </a:r>
+          </a:p>
+        </p:txBody>
+      </p:sp>
+      <p:sp>
+        <p:nvSpPr>
+          <p:cNvPr id="4" name="TextBox 3">
+            <a:extLst>
+              <a:ext uri="{FF2B5EF4-FFF2-40B4-BE49-F238E27FC236}">
+                <a16:creationId xmlns:a16="http://schemas.microsoft.com/office/drawing/2014/main" id="{B9FA3190-5367-4452-9B13-C4A50B56043D}"/>
+              </a:ext>
+            </a:extLst>
+          </p:cNvPr>
+          <p:cNvSpPr txBox="1"/>
+          <p:nvPr/>
+        </p:nvSpPr>
+        <p:spPr>
+          <a:xfrm>
+            <a:off x="464575" y="2333588"/>
+            <a:ext cx="5624624" cy="6740307"/>
+          </a:xfrm>
+          <a:prstGeom prst="rect">
+            <a:avLst/>
+          </a:prstGeom>
+          <a:noFill/>
+        </p:spPr>
+        <p:txBody>
+          <a:bodyPr wrap="square" rtlCol="0">
+            <a:spAutoFit/>
+          </a:bodyPr>
+          <a:lstStyle/>
+          <a:p>
+            <a:r>
+              <a:rPr lang="en-GB" dirty="0"/>
+              <a:t>What makes a successful exposition display? This is a question businesses must ask themselves when looking to use an expo as a means to promote their brand and showcase their product. My proposal is of a computer vision system that tracks the gaze of attendees at an expo, so that detailed data may be provided to a user of what component of their display most effectively caught peoples’ eye. The result of this would be a more detailed understanding of how a display performs, so that its design may be altered to grab attention more effectively.</a:t>
+            </a:r>
+          </a:p>
+          <a:p>
+            <a:endParaRPr lang="en-IE" dirty="0"/>
+          </a:p>
+          <a:p>
+            <a:r>
+              <a:rPr lang="en-GB" dirty="0"/>
+              <a:t>The proposed system involves placing a camera at a position near the display. This camera will record where about on the display attendees’ gaze fell and for how long. The recorded gaze data is then displayed as a heat map overlayed onto a picture of the display in question, giving the user a good idea of what was most effective (or ineffective) about their design. Users data is stored on a database and accessible via a web application, thereby opening the possibility for collaboration between different users. For example, a new user may not yet have gathered sufficient data to be of help to themselves, instead they could view past effective display designs and pick elements from these for use in their own display.</a:t>
+            </a:r>
+            <a:endParaRPr lang="en-IE" dirty="0"/>
+          </a:p>
+        </p:txBody>
+      </p:sp>
     </p:spTree>
     <p:extLst>
       <p:ext uri="{BB962C8B-B14F-4D97-AF65-F5344CB8AC3E}">
-        <p14:creationId xmlns:p14="http://schemas.microsoft.com/office/powerpoint/2010/main" val="767711258"/>
+        <p14:creationId xmlns:p14="http://schemas.microsoft.com/office/powerpoint/2010/main" val="2718855042"/>
       </p:ext>
     </p:extLst>
   </p:cSld>

--- a/Documentation/Poster.pptx
+++ b/Documentation/Poster.pptx
@@ -4,6 +4,9 @@
   <p:sldMasterIdLst>
     <p:sldMasterId id="2147483756" r:id="rId1"/>
   </p:sldMasterIdLst>
+  <p:notesMasterIdLst>
+    <p:notesMasterId r:id="rId3"/>
+  </p:notesMasterIdLst>
   <p:sldIdLst>
     <p:sldId id="256" r:id="rId2"/>
   </p:sldIdLst>
@@ -115,7 +118,7 @@
 <file path=ppt/revisionInfo.xml><?xml version="1.0" encoding="utf-8"?>
 <p1510:revInfo xmlns:a="http://schemas.openxmlformats.org/drawingml/2006/main" xmlns:r="http://schemas.openxmlformats.org/officeDocument/2006/relationships" xmlns:p1510="http://schemas.microsoft.com/office/powerpoint/2015/10/main">
   <p1510:revLst>
-    <p1510:client id="{0B4BD7A0-FC59-42AE-B47E-742D93FEF3D9}" v="73" dt="2021-03-14T23:54:27.441"/>
+    <p1510:client id="{0B4BD7A0-FC59-42AE-B47E-742D93FEF3D9}" v="82" dt="2021-03-23T14:20:49.329"/>
   </p1510:revLst>
 </p1510:revInfo>
 </file>
@@ -125,7 +128,7 @@
   <pc:docChgLst>
     <pc:chgData name="ROSS" userId="437d5ef0-0a18-489e-8dc6-1572c226cd1f" providerId="ADAL" clId="{0B4BD7A0-FC59-42AE-B47E-742D93FEF3D9}"/>
     <pc:docChg chg="undo redo custSel addSld delSld modSld">
-      <pc:chgData name="ROSS" userId="437d5ef0-0a18-489e-8dc6-1572c226cd1f" providerId="ADAL" clId="{0B4BD7A0-FC59-42AE-B47E-742D93FEF3D9}" dt="2021-03-15T00:01:02.485" v="634" actId="1076"/>
+      <pc:chgData name="ROSS" userId="437d5ef0-0a18-489e-8dc6-1572c226cd1f" providerId="ADAL" clId="{0B4BD7A0-FC59-42AE-B47E-742D93FEF3D9}" dt="2021-03-23T14:27:31.191" v="835" actId="21"/>
       <pc:docMkLst>
         <pc:docMk/>
       </pc:docMkLst>
@@ -169,13 +172,13 @@
         </pc:picChg>
       </pc:sldChg>
       <pc:sldChg chg="addSp delSp modSp new mod setBg">
-        <pc:chgData name="ROSS" userId="437d5ef0-0a18-489e-8dc6-1572c226cd1f" providerId="ADAL" clId="{0B4BD7A0-FC59-42AE-B47E-742D93FEF3D9}" dt="2021-03-15T00:01:02.485" v="634" actId="1076"/>
+        <pc:chgData name="ROSS" userId="437d5ef0-0a18-489e-8dc6-1572c226cd1f" providerId="ADAL" clId="{0B4BD7A0-FC59-42AE-B47E-742D93FEF3D9}" dt="2021-03-23T14:27:31.191" v="835" actId="21"/>
         <pc:sldMkLst>
           <pc:docMk/>
           <pc:sldMk cId="2718855042" sldId="256"/>
         </pc:sldMkLst>
         <pc:spChg chg="mod ord">
-          <ac:chgData name="ROSS" userId="437d5ef0-0a18-489e-8dc6-1572c226cd1f" providerId="ADAL" clId="{0B4BD7A0-FC59-42AE-B47E-742D93FEF3D9}" dt="2021-03-14T23:47:08.028" v="424" actId="14100"/>
+          <ac:chgData name="ROSS" userId="437d5ef0-0a18-489e-8dc6-1572c226cd1f" providerId="ADAL" clId="{0B4BD7A0-FC59-42AE-B47E-742D93FEF3D9}" dt="2021-03-16T11:43:54.334" v="680" actId="20577"/>
           <ac:spMkLst>
             <pc:docMk/>
             <pc:sldMk cId="2718855042" sldId="256"/>
@@ -183,7 +186,7 @@
           </ac:spMkLst>
         </pc:spChg>
         <pc:spChg chg="add mod ord">
-          <ac:chgData name="ROSS" userId="437d5ef0-0a18-489e-8dc6-1572c226cd1f" providerId="ADAL" clId="{0B4BD7A0-FC59-42AE-B47E-742D93FEF3D9}" dt="2021-03-14T23:36:02.579" v="344" actId="207"/>
+          <ac:chgData name="ROSS" userId="437d5ef0-0a18-489e-8dc6-1572c226cd1f" providerId="ADAL" clId="{0B4BD7A0-FC59-42AE-B47E-742D93FEF3D9}" dt="2021-03-16T11:41:33.783" v="635" actId="207"/>
           <ac:spMkLst>
             <pc:docMk/>
             <pc:sldMk cId="2718855042" sldId="256"/>
@@ -199,7 +202,7 @@
           </ac:spMkLst>
         </pc:spChg>
         <pc:spChg chg="add mod ord">
-          <ac:chgData name="ROSS" userId="437d5ef0-0a18-489e-8dc6-1572c226cd1f" providerId="ADAL" clId="{0B4BD7A0-FC59-42AE-B47E-742D93FEF3D9}" dt="2021-03-15T00:00:28.237" v="595" actId="6549"/>
+          <ac:chgData name="ROSS" userId="437d5ef0-0a18-489e-8dc6-1572c226cd1f" providerId="ADAL" clId="{0B4BD7A0-FC59-42AE-B47E-742D93FEF3D9}" dt="2021-03-23T14:27:31.191" v="835" actId="21"/>
           <ac:spMkLst>
             <pc:docMk/>
             <pc:sldMk cId="2718855042" sldId="256"/>
@@ -262,8 +265,8 @@
             <ac:spMk id="12" creationId="{D1ADD1E5-9EB9-49CF-A87F-FB788CA367EC}"/>
           </ac:spMkLst>
         </pc:spChg>
-        <pc:spChg chg="add mod ord">
-          <ac:chgData name="ROSS" userId="437d5ef0-0a18-489e-8dc6-1572c226cd1f" providerId="ADAL" clId="{0B4BD7A0-FC59-42AE-B47E-742D93FEF3D9}" dt="2021-03-14T23:45:44.028" v="412" actId="14100"/>
+        <pc:spChg chg="add del mod ord">
+          <ac:chgData name="ROSS" userId="437d5ef0-0a18-489e-8dc6-1572c226cd1f" providerId="ADAL" clId="{0B4BD7A0-FC59-42AE-B47E-742D93FEF3D9}" dt="2021-03-16T11:43:52.064" v="672" actId="478"/>
           <ac:spMkLst>
             <pc:docMk/>
             <pc:sldMk cId="2718855042" sldId="256"/>
@@ -319,7 +322,7 @@
           </ac:spMkLst>
         </pc:spChg>
         <pc:spChg chg="add mod">
-          <ac:chgData name="ROSS" userId="437d5ef0-0a18-489e-8dc6-1572c226cd1f" providerId="ADAL" clId="{0B4BD7A0-FC59-42AE-B47E-742D93FEF3D9}" dt="2021-03-14T23:52:35.198" v="483" actId="1076"/>
+          <ac:chgData name="ROSS" userId="437d5ef0-0a18-489e-8dc6-1572c226cd1f" providerId="ADAL" clId="{0B4BD7A0-FC59-42AE-B47E-742D93FEF3D9}" dt="2021-03-23T14:15:11.243" v="766" actId="1076"/>
           <ac:spMkLst>
             <pc:docMk/>
             <pc:sldMk cId="2718855042" sldId="256"/>
@@ -335,11 +338,35 @@
           </ac:spMkLst>
         </pc:spChg>
         <pc:spChg chg="add mod">
-          <ac:chgData name="ROSS" userId="437d5ef0-0a18-489e-8dc6-1572c226cd1f" providerId="ADAL" clId="{0B4BD7A0-FC59-42AE-B47E-742D93FEF3D9}" dt="2021-03-15T00:01:02.485" v="634" actId="1076"/>
+          <ac:chgData name="ROSS" userId="437d5ef0-0a18-489e-8dc6-1572c226cd1f" providerId="ADAL" clId="{0B4BD7A0-FC59-42AE-B47E-742D93FEF3D9}" dt="2021-03-23T14:14:59.830" v="765" actId="1076"/>
           <ac:spMkLst>
             <pc:docMk/>
             <pc:sldMk cId="2718855042" sldId="256"/>
             <ac:spMk id="21" creationId="{D825C845-35AA-417B-9E38-EAF146975869}"/>
+          </ac:spMkLst>
+        </pc:spChg>
+        <pc:spChg chg="add mod">
+          <ac:chgData name="ROSS" userId="437d5ef0-0a18-489e-8dc6-1572c226cd1f" providerId="ADAL" clId="{0B4BD7A0-FC59-42AE-B47E-742D93FEF3D9}" dt="2021-03-23T14:07:30.361" v="706" actId="20577"/>
+          <ac:spMkLst>
+            <pc:docMk/>
+            <pc:sldMk cId="2718855042" sldId="256"/>
+            <ac:spMk id="22" creationId="{8A53A04E-81B7-4024-A759-A2A671B25226}"/>
+          </ac:spMkLst>
+        </pc:spChg>
+        <pc:spChg chg="add del mod">
+          <ac:chgData name="ROSS" userId="437d5ef0-0a18-489e-8dc6-1572c226cd1f" providerId="ADAL" clId="{0B4BD7A0-FC59-42AE-B47E-742D93FEF3D9}" dt="2021-03-23T14:20:49.329" v="833" actId="20578"/>
+          <ac:spMkLst>
+            <pc:docMk/>
+            <pc:sldMk cId="2718855042" sldId="256"/>
+            <ac:spMk id="23" creationId="{76BF021C-F5A2-497A-A1B0-F8472A33D27C}"/>
+          </ac:spMkLst>
+        </pc:spChg>
+        <pc:spChg chg="add mod">
+          <ac:chgData name="ROSS" userId="437d5ef0-0a18-489e-8dc6-1572c226cd1f" providerId="ADAL" clId="{0B4BD7A0-FC59-42AE-B47E-742D93FEF3D9}" dt="2021-03-23T14:14:51.715" v="764" actId="1076"/>
+          <ac:spMkLst>
+            <pc:docMk/>
+            <pc:sldMk cId="2718855042" sldId="256"/>
+            <ac:spMk id="24" creationId="{FF2D6183-16EF-4D42-A979-13B37556DD8D}"/>
           </ac:spMkLst>
         </pc:spChg>
         <pc:picChg chg="add del mod">
@@ -358,6 +385,14 @@
             <ac:picMk id="4" creationId="{C9A9F21F-4772-4A28-9BB3-F03131522057}"/>
           </ac:picMkLst>
         </pc:picChg>
+        <pc:picChg chg="add del mod">
+          <ac:chgData name="ROSS" userId="437d5ef0-0a18-489e-8dc6-1572c226cd1f" providerId="ADAL" clId="{0B4BD7A0-FC59-42AE-B47E-742D93FEF3D9}" dt="2021-03-23T14:04:46.548" v="683" actId="478"/>
+          <ac:picMkLst>
+            <pc:docMk/>
+            <pc:sldMk cId="2718855042" sldId="256"/>
+            <ac:picMk id="5" creationId="{96C43155-046C-4DF4-AF9B-56C64CFA5A39}"/>
+          </ac:picMkLst>
+        </pc:picChg>
         <pc:picChg chg="add mod ord modCrop">
           <ac:chgData name="ROSS" userId="437d5ef0-0a18-489e-8dc6-1572c226cd1f" providerId="ADAL" clId="{0B4BD7A0-FC59-42AE-B47E-742D93FEF3D9}" dt="2021-03-14T23:48:48.148" v="438" actId="1076"/>
           <ac:picMkLst>
@@ -374,8 +409,16 @@
             <ac:picMk id="6" creationId="{C6ACF1DB-ACEA-464A-80B5-E736DF1D21E6}"/>
           </ac:picMkLst>
         </pc:picChg>
+        <pc:picChg chg="add del">
+          <ac:chgData name="ROSS" userId="437d5ef0-0a18-489e-8dc6-1572c226cd1f" providerId="ADAL" clId="{0B4BD7A0-FC59-42AE-B47E-742D93FEF3D9}" dt="2021-03-23T14:04:51.250" v="685" actId="478"/>
+          <ac:picMkLst>
+            <pc:docMk/>
+            <pc:sldMk cId="2718855042" sldId="256"/>
+            <ac:picMk id="7" creationId="{3DFE221E-03FE-4993-B383-5302BDC37A6D}"/>
+          </ac:picMkLst>
+        </pc:picChg>
         <pc:picChg chg="add mod">
-          <ac:chgData name="ROSS" userId="437d5ef0-0a18-489e-8dc6-1572c226cd1f" providerId="ADAL" clId="{0B4BD7A0-FC59-42AE-B47E-742D93FEF3D9}" dt="2021-03-14T23:46:36.892" v="420" actId="1076"/>
+          <ac:chgData name="ROSS" userId="437d5ef0-0a18-489e-8dc6-1572c226cd1f" providerId="ADAL" clId="{0B4BD7A0-FC59-42AE-B47E-742D93FEF3D9}" dt="2021-03-16T11:43:52.707" v="677" actId="1076"/>
           <ac:picMkLst>
             <pc:docMk/>
             <pc:sldMk cId="2718855042" sldId="256"/>
@@ -734,6 +777,440 @@
 </pc:chgInfo>
 </file>
 
+<file path=ppt/notesMasters/notesMaster1.xml><?xml version="1.0" encoding="utf-8"?>
+<p:notesMaster xmlns:a="http://schemas.openxmlformats.org/drawingml/2006/main" xmlns:r="http://schemas.openxmlformats.org/officeDocument/2006/relationships" xmlns:p="http://schemas.openxmlformats.org/presentationml/2006/main">
+  <p:cSld>
+    <p:bg>
+      <p:bgRef idx="1001">
+        <a:schemeClr val="bg1"/>
+      </p:bgRef>
+    </p:bg>
+    <p:spTree>
+      <p:nvGrpSpPr>
+        <p:cNvPr id="1" name=""/>
+        <p:cNvGrpSpPr/>
+        <p:nvPr/>
+      </p:nvGrpSpPr>
+      <p:grpSpPr>
+        <a:xfrm>
+          <a:off x="0" y="0"/>
+          <a:ext cx="0" cy="0"/>
+          <a:chOff x="0" y="0"/>
+          <a:chExt cx="0" cy="0"/>
+        </a:xfrm>
+      </p:grpSpPr>
+      <p:sp>
+        <p:nvSpPr>
+          <p:cNvPr id="2" name="Header Placeholder 1"/>
+          <p:cNvSpPr>
+            <a:spLocks noGrp="1"/>
+          </p:cNvSpPr>
+          <p:nvPr>
+            <p:ph type="hdr" sz="quarter"/>
+          </p:nvPr>
+        </p:nvSpPr>
+        <p:spPr>
+          <a:xfrm>
+            <a:off x="0" y="0"/>
+            <a:ext cx="2971800" cy="458788"/>
+          </a:xfrm>
+          <a:prstGeom prst="rect">
+            <a:avLst/>
+          </a:prstGeom>
+        </p:spPr>
+        <p:txBody>
+          <a:bodyPr vert="horz" lIns="91440" tIns="45720" rIns="91440" bIns="45720" rtlCol="0"/>
+          <a:lstStyle>
+            <a:lvl1pPr algn="l">
+              <a:defRPr sz="1200"/>
+            </a:lvl1pPr>
+          </a:lstStyle>
+          <a:p>
+            <a:endParaRPr lang="en-IE"/>
+          </a:p>
+        </p:txBody>
+      </p:sp>
+      <p:sp>
+        <p:nvSpPr>
+          <p:cNvPr id="3" name="Date Placeholder 2"/>
+          <p:cNvSpPr>
+            <a:spLocks noGrp="1"/>
+          </p:cNvSpPr>
+          <p:nvPr>
+            <p:ph type="dt" idx="1"/>
+          </p:nvPr>
+        </p:nvSpPr>
+        <p:spPr>
+          <a:xfrm>
+            <a:off x="3884613" y="0"/>
+            <a:ext cx="2971800" cy="458788"/>
+          </a:xfrm>
+          <a:prstGeom prst="rect">
+            <a:avLst/>
+          </a:prstGeom>
+        </p:spPr>
+        <p:txBody>
+          <a:bodyPr vert="horz" lIns="91440" tIns="45720" rIns="91440" bIns="45720" rtlCol="0"/>
+          <a:lstStyle>
+            <a:lvl1pPr algn="r">
+              <a:defRPr sz="1200"/>
+            </a:lvl1pPr>
+          </a:lstStyle>
+          <a:p>
+            <a:fld id="{192FCCDA-B358-4D50-8237-7343D0ECEF24}" type="datetimeFigureOut">
+              <a:rPr lang="en-IE" smtClean="0"/>
+              <a:t>23/03/2021</a:t>
+            </a:fld>
+            <a:endParaRPr lang="en-IE"/>
+          </a:p>
+        </p:txBody>
+      </p:sp>
+      <p:sp>
+        <p:nvSpPr>
+          <p:cNvPr id="4" name="Slide Image Placeholder 3"/>
+          <p:cNvSpPr>
+            <a:spLocks noGrp="1" noRot="1" noChangeAspect="1"/>
+          </p:cNvSpPr>
+          <p:nvPr>
+            <p:ph type="sldImg" idx="2"/>
+          </p:nvPr>
+        </p:nvSpPr>
+        <p:spPr>
+          <a:xfrm>
+            <a:off x="685800" y="1143000"/>
+            <a:ext cx="5486400" cy="3086100"/>
+          </a:xfrm>
+          <a:prstGeom prst="rect">
+            <a:avLst/>
+          </a:prstGeom>
+          <a:noFill/>
+          <a:ln w="12700">
+            <a:solidFill>
+              <a:prstClr val="black"/>
+            </a:solidFill>
+          </a:ln>
+        </p:spPr>
+        <p:txBody>
+          <a:bodyPr vert="horz" lIns="91440" tIns="45720" rIns="91440" bIns="45720" rtlCol="0" anchor="ctr"/>
+          <a:lstStyle/>
+          <a:p>
+            <a:endParaRPr lang="en-IE"/>
+          </a:p>
+        </p:txBody>
+      </p:sp>
+      <p:sp>
+        <p:nvSpPr>
+          <p:cNvPr id="5" name="Notes Placeholder 4"/>
+          <p:cNvSpPr>
+            <a:spLocks noGrp="1"/>
+          </p:cNvSpPr>
+          <p:nvPr>
+            <p:ph type="body" sz="quarter" idx="3"/>
+          </p:nvPr>
+        </p:nvSpPr>
+        <p:spPr>
+          <a:xfrm>
+            <a:off x="685800" y="4400550"/>
+            <a:ext cx="5486400" cy="3600450"/>
+          </a:xfrm>
+          <a:prstGeom prst="rect">
+            <a:avLst/>
+          </a:prstGeom>
+        </p:spPr>
+        <p:txBody>
+          <a:bodyPr vert="horz" lIns="91440" tIns="45720" rIns="91440" bIns="45720" rtlCol="0"/>
+          <a:lstStyle/>
+          <a:p>
+            <a:pPr lvl="0"/>
+            <a:r>
+              <a:rPr lang="en-US"/>
+              <a:t>Click to edit Master text styles</a:t>
+            </a:r>
+          </a:p>
+          <a:p>
+            <a:pPr lvl="1"/>
+            <a:r>
+              <a:rPr lang="en-US"/>
+              <a:t>Second level</a:t>
+            </a:r>
+          </a:p>
+          <a:p>
+            <a:pPr lvl="2"/>
+            <a:r>
+              <a:rPr lang="en-US"/>
+              <a:t>Third level</a:t>
+            </a:r>
+          </a:p>
+          <a:p>
+            <a:pPr lvl="3"/>
+            <a:r>
+              <a:rPr lang="en-US"/>
+              <a:t>Fourth level</a:t>
+            </a:r>
+          </a:p>
+          <a:p>
+            <a:pPr lvl="4"/>
+            <a:r>
+              <a:rPr lang="en-US"/>
+              <a:t>Fifth level</a:t>
+            </a:r>
+            <a:endParaRPr lang="en-IE"/>
+          </a:p>
+        </p:txBody>
+      </p:sp>
+      <p:sp>
+        <p:nvSpPr>
+          <p:cNvPr id="6" name="Footer Placeholder 5"/>
+          <p:cNvSpPr>
+            <a:spLocks noGrp="1"/>
+          </p:cNvSpPr>
+          <p:nvPr>
+            <p:ph type="ftr" sz="quarter" idx="4"/>
+          </p:nvPr>
+        </p:nvSpPr>
+        <p:spPr>
+          <a:xfrm>
+            <a:off x="0" y="8685213"/>
+            <a:ext cx="2971800" cy="458787"/>
+          </a:xfrm>
+          <a:prstGeom prst="rect">
+            <a:avLst/>
+          </a:prstGeom>
+        </p:spPr>
+        <p:txBody>
+          <a:bodyPr vert="horz" lIns="91440" tIns="45720" rIns="91440" bIns="45720" rtlCol="0" anchor="b"/>
+          <a:lstStyle>
+            <a:lvl1pPr algn="l">
+              <a:defRPr sz="1200"/>
+            </a:lvl1pPr>
+          </a:lstStyle>
+          <a:p>
+            <a:endParaRPr lang="en-IE"/>
+          </a:p>
+        </p:txBody>
+      </p:sp>
+      <p:sp>
+        <p:nvSpPr>
+          <p:cNvPr id="7" name="Slide Number Placeholder 6"/>
+          <p:cNvSpPr>
+            <a:spLocks noGrp="1"/>
+          </p:cNvSpPr>
+          <p:nvPr>
+            <p:ph type="sldNum" sz="quarter" idx="5"/>
+          </p:nvPr>
+        </p:nvSpPr>
+        <p:spPr>
+          <a:xfrm>
+            <a:off x="3884613" y="8685213"/>
+            <a:ext cx="2971800" cy="458787"/>
+          </a:xfrm>
+          <a:prstGeom prst="rect">
+            <a:avLst/>
+          </a:prstGeom>
+        </p:spPr>
+        <p:txBody>
+          <a:bodyPr vert="horz" lIns="91440" tIns="45720" rIns="91440" bIns="45720" rtlCol="0" anchor="b"/>
+          <a:lstStyle>
+            <a:lvl1pPr algn="r">
+              <a:defRPr sz="1200"/>
+            </a:lvl1pPr>
+          </a:lstStyle>
+          <a:p>
+            <a:fld id="{F9EB5AB3-9C76-48CE-BD1A-280D320CC9A8}" type="slidenum">
+              <a:rPr lang="en-IE" smtClean="0"/>
+              <a:t>‹#›</a:t>
+            </a:fld>
+            <a:endParaRPr lang="en-IE"/>
+          </a:p>
+        </p:txBody>
+      </p:sp>
+    </p:spTree>
+    <p:extLst>
+      <p:ext uri="{BB962C8B-B14F-4D97-AF65-F5344CB8AC3E}">
+        <p14:creationId xmlns:p14="http://schemas.microsoft.com/office/powerpoint/2010/main" val="3225751962"/>
+      </p:ext>
+    </p:extLst>
+  </p:cSld>
+  <p:clrMap bg1="lt1" tx1="dk1" bg2="lt2" tx2="dk2" accent1="accent1" accent2="accent2" accent3="accent3" accent4="accent4" accent5="accent5" accent6="accent6" hlink="hlink" folHlink="folHlink"/>
+  <p:notesStyle>
+    <a:lvl1pPr marL="0" algn="l" defTabSz="914400" rtl="0" eaLnBrk="1" latinLnBrk="0" hangingPunct="1">
+      <a:defRPr sz="1200" kern="1200">
+        <a:solidFill>
+          <a:schemeClr val="tx1"/>
+        </a:solidFill>
+        <a:latin typeface="+mn-lt"/>
+        <a:ea typeface="+mn-ea"/>
+        <a:cs typeface="+mn-cs"/>
+      </a:defRPr>
+    </a:lvl1pPr>
+    <a:lvl2pPr marL="457200" algn="l" defTabSz="914400" rtl="0" eaLnBrk="1" latinLnBrk="0" hangingPunct="1">
+      <a:defRPr sz="1200" kern="1200">
+        <a:solidFill>
+          <a:schemeClr val="tx1"/>
+        </a:solidFill>
+        <a:latin typeface="+mn-lt"/>
+        <a:ea typeface="+mn-ea"/>
+        <a:cs typeface="+mn-cs"/>
+      </a:defRPr>
+    </a:lvl2pPr>
+    <a:lvl3pPr marL="914400" algn="l" defTabSz="914400" rtl="0" eaLnBrk="1" latinLnBrk="0" hangingPunct="1">
+      <a:defRPr sz="1200" kern="1200">
+        <a:solidFill>
+          <a:schemeClr val="tx1"/>
+        </a:solidFill>
+        <a:latin typeface="+mn-lt"/>
+        <a:ea typeface="+mn-ea"/>
+        <a:cs typeface="+mn-cs"/>
+      </a:defRPr>
+    </a:lvl3pPr>
+    <a:lvl4pPr marL="1371600" algn="l" defTabSz="914400" rtl="0" eaLnBrk="1" latinLnBrk="0" hangingPunct="1">
+      <a:defRPr sz="1200" kern="1200">
+        <a:solidFill>
+          <a:schemeClr val="tx1"/>
+        </a:solidFill>
+        <a:latin typeface="+mn-lt"/>
+        <a:ea typeface="+mn-ea"/>
+        <a:cs typeface="+mn-cs"/>
+      </a:defRPr>
+    </a:lvl4pPr>
+    <a:lvl5pPr marL="1828800" algn="l" defTabSz="914400" rtl="0" eaLnBrk="1" latinLnBrk="0" hangingPunct="1">
+      <a:defRPr sz="1200" kern="1200">
+        <a:solidFill>
+          <a:schemeClr val="tx1"/>
+        </a:solidFill>
+        <a:latin typeface="+mn-lt"/>
+        <a:ea typeface="+mn-ea"/>
+        <a:cs typeface="+mn-cs"/>
+      </a:defRPr>
+    </a:lvl5pPr>
+    <a:lvl6pPr marL="2286000" algn="l" defTabSz="914400" rtl="0" eaLnBrk="1" latinLnBrk="0" hangingPunct="1">
+      <a:defRPr sz="1200" kern="1200">
+        <a:solidFill>
+          <a:schemeClr val="tx1"/>
+        </a:solidFill>
+        <a:latin typeface="+mn-lt"/>
+        <a:ea typeface="+mn-ea"/>
+        <a:cs typeface="+mn-cs"/>
+      </a:defRPr>
+    </a:lvl6pPr>
+    <a:lvl7pPr marL="2743200" algn="l" defTabSz="914400" rtl="0" eaLnBrk="1" latinLnBrk="0" hangingPunct="1">
+      <a:defRPr sz="1200" kern="1200">
+        <a:solidFill>
+          <a:schemeClr val="tx1"/>
+        </a:solidFill>
+        <a:latin typeface="+mn-lt"/>
+        <a:ea typeface="+mn-ea"/>
+        <a:cs typeface="+mn-cs"/>
+      </a:defRPr>
+    </a:lvl7pPr>
+    <a:lvl8pPr marL="3200400" algn="l" defTabSz="914400" rtl="0" eaLnBrk="1" latinLnBrk="0" hangingPunct="1">
+      <a:defRPr sz="1200" kern="1200">
+        <a:solidFill>
+          <a:schemeClr val="tx1"/>
+        </a:solidFill>
+        <a:latin typeface="+mn-lt"/>
+        <a:ea typeface="+mn-ea"/>
+        <a:cs typeface="+mn-cs"/>
+      </a:defRPr>
+    </a:lvl8pPr>
+    <a:lvl9pPr marL="3657600" algn="l" defTabSz="914400" rtl="0" eaLnBrk="1" latinLnBrk="0" hangingPunct="1">
+      <a:defRPr sz="1200" kern="1200">
+        <a:solidFill>
+          <a:schemeClr val="tx1"/>
+        </a:solidFill>
+        <a:latin typeface="+mn-lt"/>
+        <a:ea typeface="+mn-ea"/>
+        <a:cs typeface="+mn-cs"/>
+      </a:defRPr>
+    </a:lvl9pPr>
+  </p:notesStyle>
+</p:notesMaster>
+</file>
+
+<file path=ppt/notesSlides/notesSlide1.xml><?xml version="1.0" encoding="utf-8"?>
+<p:notes xmlns:a="http://schemas.openxmlformats.org/drawingml/2006/main" xmlns:r="http://schemas.openxmlformats.org/officeDocument/2006/relationships" xmlns:p="http://schemas.openxmlformats.org/presentationml/2006/main">
+  <p:cSld>
+    <p:spTree>
+      <p:nvGrpSpPr>
+        <p:cNvPr id="1" name=""/>
+        <p:cNvGrpSpPr/>
+        <p:nvPr/>
+      </p:nvGrpSpPr>
+      <p:grpSpPr>
+        <a:xfrm>
+          <a:off x="0" y="0"/>
+          <a:ext cx="0" cy="0"/>
+          <a:chOff x="0" y="0"/>
+          <a:chExt cx="0" cy="0"/>
+        </a:xfrm>
+      </p:grpSpPr>
+      <p:sp>
+        <p:nvSpPr>
+          <p:cNvPr id="2" name="Slide Image Placeholder 1"/>
+          <p:cNvSpPr>
+            <a:spLocks noGrp="1" noRot="1" noChangeAspect="1"/>
+          </p:cNvSpPr>
+          <p:nvPr>
+            <p:ph type="sldImg"/>
+          </p:nvPr>
+        </p:nvSpPr>
+        <p:spPr/>
+      </p:sp>
+      <p:sp>
+        <p:nvSpPr>
+          <p:cNvPr id="3" name="Notes Placeholder 2"/>
+          <p:cNvSpPr>
+            <a:spLocks noGrp="1"/>
+          </p:cNvSpPr>
+          <p:nvPr>
+            <p:ph type="body" idx="1"/>
+          </p:nvPr>
+        </p:nvSpPr>
+        <p:spPr/>
+        <p:txBody>
+          <a:bodyPr/>
+          <a:lstStyle/>
+          <a:p>
+            <a:endParaRPr lang="en-IE" dirty="0"/>
+          </a:p>
+        </p:txBody>
+      </p:sp>
+      <p:sp>
+        <p:nvSpPr>
+          <p:cNvPr id="4" name="Slide Number Placeholder 3"/>
+          <p:cNvSpPr>
+            <a:spLocks noGrp="1"/>
+          </p:cNvSpPr>
+          <p:nvPr>
+            <p:ph type="sldNum" sz="quarter" idx="5"/>
+          </p:nvPr>
+        </p:nvSpPr>
+        <p:spPr/>
+        <p:txBody>
+          <a:bodyPr/>
+          <a:lstStyle/>
+          <a:p>
+            <a:fld id="{F9EB5AB3-9C76-48CE-BD1A-280D320CC9A8}" type="slidenum">
+              <a:rPr lang="en-IE" smtClean="0"/>
+              <a:t>1</a:t>
+            </a:fld>
+            <a:endParaRPr lang="en-IE"/>
+          </a:p>
+        </p:txBody>
+      </p:sp>
+    </p:spTree>
+    <p:extLst>
+      <p:ext uri="{BB962C8B-B14F-4D97-AF65-F5344CB8AC3E}">
+        <p14:creationId xmlns:p14="http://schemas.microsoft.com/office/powerpoint/2010/main" val="987051461"/>
+      </p:ext>
+    </p:extLst>
+  </p:cSld>
+  <p:clrMapOvr>
+    <a:masterClrMapping/>
+  </p:clrMapOvr>
+</p:notes>
+</file>
+
 <file path=ppt/slideLayouts/slideLayout1.xml><?xml version="1.0" encoding="utf-8"?>
 <p:sldLayout xmlns:a="http://schemas.openxmlformats.org/drawingml/2006/main" xmlns:r="http://schemas.openxmlformats.org/officeDocument/2006/relationships" xmlns:p="http://schemas.openxmlformats.org/presentationml/2006/main" type="title" preserve="1">
   <p:cSld name="Title Slide">
@@ -865,7 +1342,7 @@
           <a:p>
             <a:fld id="{B2C75E35-6B22-4CD3-995F-845FED8801B9}" type="datetimeFigureOut">
               <a:rPr lang="en-IE" smtClean="0"/>
-              <a:t>14/03/2021</a:t>
+              <a:t>23/03/2021</a:t>
             </a:fld>
             <a:endParaRPr lang="en-IE"/>
           </a:p>
@@ -1035,7 +1512,7 @@
           <a:p>
             <a:fld id="{B2C75E35-6B22-4CD3-995F-845FED8801B9}" type="datetimeFigureOut">
               <a:rPr lang="en-IE" smtClean="0"/>
-              <a:t>14/03/2021</a:t>
+              <a:t>23/03/2021</a:t>
             </a:fld>
             <a:endParaRPr lang="en-IE"/>
           </a:p>
@@ -1215,7 +1692,7 @@
           <a:p>
             <a:fld id="{B2C75E35-6B22-4CD3-995F-845FED8801B9}" type="datetimeFigureOut">
               <a:rPr lang="en-IE" smtClean="0"/>
-              <a:t>14/03/2021</a:t>
+              <a:t>23/03/2021</a:t>
             </a:fld>
             <a:endParaRPr lang="en-IE"/>
           </a:p>
@@ -1385,7 +1862,7 @@
           <a:p>
             <a:fld id="{B2C75E35-6B22-4CD3-995F-845FED8801B9}" type="datetimeFigureOut">
               <a:rPr lang="en-IE" smtClean="0"/>
-              <a:t>14/03/2021</a:t>
+              <a:t>23/03/2021</a:t>
             </a:fld>
             <a:endParaRPr lang="en-IE"/>
           </a:p>
@@ -1631,7 +2108,7 @@
           <a:p>
             <a:fld id="{B2C75E35-6B22-4CD3-995F-845FED8801B9}" type="datetimeFigureOut">
               <a:rPr lang="en-IE" smtClean="0"/>
-              <a:t>14/03/2021</a:t>
+              <a:t>23/03/2021</a:t>
             </a:fld>
             <a:endParaRPr lang="en-IE"/>
           </a:p>
@@ -1863,7 +2340,7 @@
           <a:p>
             <a:fld id="{B2C75E35-6B22-4CD3-995F-845FED8801B9}" type="datetimeFigureOut">
               <a:rPr lang="en-IE" smtClean="0"/>
-              <a:t>14/03/2021</a:t>
+              <a:t>23/03/2021</a:t>
             </a:fld>
             <a:endParaRPr lang="en-IE"/>
           </a:p>
@@ -2230,7 +2707,7 @@
           <a:p>
             <a:fld id="{B2C75E35-6B22-4CD3-995F-845FED8801B9}" type="datetimeFigureOut">
               <a:rPr lang="en-IE" smtClean="0"/>
-              <a:t>14/03/2021</a:t>
+              <a:t>23/03/2021</a:t>
             </a:fld>
             <a:endParaRPr lang="en-IE"/>
           </a:p>
@@ -2348,7 +2825,7 @@
           <a:p>
             <a:fld id="{B2C75E35-6B22-4CD3-995F-845FED8801B9}" type="datetimeFigureOut">
               <a:rPr lang="en-IE" smtClean="0"/>
-              <a:t>14/03/2021</a:t>
+              <a:t>23/03/2021</a:t>
             </a:fld>
             <a:endParaRPr lang="en-IE"/>
           </a:p>
@@ -2443,7 +2920,7 @@
           <a:p>
             <a:fld id="{B2C75E35-6B22-4CD3-995F-845FED8801B9}" type="datetimeFigureOut">
               <a:rPr lang="en-IE" smtClean="0"/>
-              <a:t>14/03/2021</a:t>
+              <a:t>23/03/2021</a:t>
             </a:fld>
             <a:endParaRPr lang="en-IE"/>
           </a:p>
@@ -2720,7 +3197,7 @@
           <a:p>
             <a:fld id="{B2C75E35-6B22-4CD3-995F-845FED8801B9}" type="datetimeFigureOut">
               <a:rPr lang="en-IE" smtClean="0"/>
-              <a:t>14/03/2021</a:t>
+              <a:t>23/03/2021</a:t>
             </a:fld>
             <a:endParaRPr lang="en-IE"/>
           </a:p>
@@ -2977,7 +3454,7 @@
           <a:p>
             <a:fld id="{B2C75E35-6B22-4CD3-995F-845FED8801B9}" type="datetimeFigureOut">
               <a:rPr lang="en-IE" smtClean="0"/>
-              <a:t>14/03/2021</a:t>
+              <a:t>23/03/2021</a:t>
             </a:fld>
             <a:endParaRPr lang="en-IE"/>
           </a:p>
@@ -3190,7 +3667,7 @@
           <a:p>
             <a:fld id="{B2C75E35-6B22-4CD3-995F-845FED8801B9}" type="datetimeFigureOut">
               <a:rPr lang="en-IE" smtClean="0"/>
-              <a:t>14/03/2021</a:t>
+              <a:t>23/03/2021</a:t>
             </a:fld>
             <a:endParaRPr lang="en-IE"/>
           </a:p>
@@ -3626,7 +4103,10 @@
             <a:avLst/>
           </a:prstGeom>
           <a:solidFill>
-            <a:schemeClr val="tx1"/>
+            <a:schemeClr val="tx1">
+              <a:lumMod val="50000"/>
+              <a:lumOff val="50000"/>
+            </a:schemeClr>
           </a:solidFill>
         </p:spPr>
         <p:style>
@@ -3691,58 +4171,6 @@
       </p:sp>
       <p:sp>
         <p:nvSpPr>
-          <p:cNvPr id="13" name="Rectangle 12">
-            <a:extLst>
-              <a:ext uri="{FF2B5EF4-FFF2-40B4-BE49-F238E27FC236}">
-                <a16:creationId xmlns:a16="http://schemas.microsoft.com/office/drawing/2014/main" id="{8255F5D6-98BD-4D0B-9E37-BE5F246A7C71}"/>
-              </a:ext>
-            </a:extLst>
-          </p:cNvPr>
-          <p:cNvSpPr/>
-          <p:nvPr/>
-        </p:nvSpPr>
-        <p:spPr>
-          <a:xfrm>
-            <a:off x="220530" y="213359"/>
-            <a:ext cx="5426409" cy="1192015"/>
-          </a:xfrm>
-          <a:prstGeom prst="rect">
-            <a:avLst/>
-          </a:prstGeom>
-          <a:solidFill>
-            <a:schemeClr val="accent4"/>
-          </a:solidFill>
-          <a:ln>
-            <a:noFill/>
-          </a:ln>
-        </p:spPr>
-        <p:style>
-          <a:lnRef idx="2">
-            <a:schemeClr val="accent1">
-              <a:shade val="50000"/>
-            </a:schemeClr>
-          </a:lnRef>
-          <a:fillRef idx="1">
-            <a:schemeClr val="accent1"/>
-          </a:fillRef>
-          <a:effectRef idx="0">
-            <a:schemeClr val="accent1"/>
-          </a:effectRef>
-          <a:fontRef idx="minor">
-            <a:schemeClr val="lt1"/>
-          </a:fontRef>
-        </p:style>
-        <p:txBody>
-          <a:bodyPr rtlCol="0" anchor="ctr"/>
-          <a:lstStyle/>
-          <a:p>
-            <a:pPr algn="ctr"/>
-            <a:endParaRPr lang="en-IE"/>
-          </a:p>
-        </p:txBody>
-      </p:sp>
-      <p:sp>
-        <p:nvSpPr>
           <p:cNvPr id="2" name="Title 1">
             <a:extLst>
               <a:ext uri="{FF2B5EF4-FFF2-40B4-BE49-F238E27FC236}">
@@ -3759,12 +4187,17 @@
         </p:nvSpPr>
         <p:spPr>
           <a:xfrm>
-            <a:off x="4606851" y="213360"/>
-            <a:ext cx="16846757" cy="1192014"/>
+            <a:off x="220531" y="213360"/>
+            <a:ext cx="21233078" cy="1192014"/>
           </a:xfrm>
           <a:solidFill>
             <a:schemeClr val="accent4"/>
           </a:solidFill>
+          <a:ln>
+            <a:solidFill>
+              <a:schemeClr val="tx1"/>
+            </a:solidFill>
+          </a:ln>
         </p:spPr>
         <p:txBody>
           <a:bodyPr>
@@ -3772,9 +4205,10 @@
           </a:bodyPr>
           <a:lstStyle/>
           <a:p>
+            <a:pPr algn="r"/>
             <a:r>
               <a:rPr lang="en-IE" sz="7200" dirty="0"/>
-              <a:t>Exposition Attendee Gaze Tracking System </a:t>
+              <a:t>Exposition Attendee Gaze Tracking System	   </a:t>
             </a:r>
           </a:p>
         </p:txBody>
@@ -3794,7 +4228,7 @@
           <p:nvPr/>
         </p:nvPicPr>
         <p:blipFill>
-          <a:blip r:embed="rId2">
+          <a:blip r:embed="rId3">
             <a:extLst>
               <a:ext uri="{28A0092B-C50C-407E-A947-70E740481C1C}">
                 <a14:useLocalDpi xmlns:a14="http://schemas.microsoft.com/office/drawing/2010/main" val="0"/>
@@ -3807,7 +4241,7 @@
         </p:blipFill>
         <p:spPr>
           <a:xfrm>
-            <a:off x="464575" y="-80388"/>
+            <a:off x="324665" y="-80388"/>
             <a:ext cx="3677701" cy="1779510"/>
           </a:xfrm>
           <a:prstGeom prst="rect">
@@ -3867,7 +4301,7 @@
           <a:lstStyle/>
           <a:p>
             <a:pPr algn="ctr"/>
-            <a:endParaRPr lang="en-IE"/>
+            <a:endParaRPr lang="en-IE" dirty="0"/>
           </a:p>
         </p:txBody>
       </p:sp>
@@ -3886,7 +4320,7 @@
           <p:nvPr/>
         </p:nvPicPr>
         <p:blipFill rotWithShape="1">
-          <a:blip r:embed="rId3">
+          <a:blip r:embed="rId4">
             <a:extLst>
               <a:ext uri="{28A0092B-C50C-407E-A947-70E740481C1C}">
                 <a14:useLocalDpi xmlns:a14="http://schemas.microsoft.com/office/drawing/2010/main" val="0"/>
@@ -4228,7 +4662,7 @@
         </p:nvSpPr>
         <p:spPr>
           <a:xfrm>
-            <a:off x="15549148" y="6174186"/>
+            <a:off x="15546992" y="7007959"/>
             <a:ext cx="5646939" cy="634467"/>
           </a:xfrm>
           <a:prstGeom prst="rect">
@@ -4354,7 +4788,7 @@
         </p:nvSpPr>
         <p:spPr>
           <a:xfrm>
-            <a:off x="15546992" y="9449360"/>
+            <a:off x="15546992" y="10209105"/>
             <a:ext cx="5646939" cy="634467"/>
           </a:xfrm>
           <a:prstGeom prst="rect">
@@ -4445,6 +4879,160 @@
               <a:t>The proposed system involves placing a camera at a position near the display. This camera will record where about on the display attendees’ gaze fell and for how long. The recorded gaze data is then displayed as a heat map overlayed onto a picture of the display in question, giving the user a good idea of what was most effective (or ineffective) about their design. Users data is stored on a database and accessible via a web application, thereby opening the possibility for collaboration between different users. For example, a new user may not yet have gathered sufficient data to be of help to themselves, instead they could view past effective display designs and pick elements from these for use in their own display.</a:t>
             </a:r>
             <a:endParaRPr lang="en-IE" dirty="0"/>
+          </a:p>
+        </p:txBody>
+      </p:sp>
+      <p:sp>
+        <p:nvSpPr>
+          <p:cNvPr id="22" name="TextBox 21">
+            <a:extLst>
+              <a:ext uri="{FF2B5EF4-FFF2-40B4-BE49-F238E27FC236}">
+                <a16:creationId xmlns:a16="http://schemas.microsoft.com/office/drawing/2014/main" id="{8A53A04E-81B7-4024-A759-A2A671B25226}"/>
+              </a:ext>
+            </a:extLst>
+          </p:cNvPr>
+          <p:cNvSpPr txBox="1"/>
+          <p:nvPr/>
+        </p:nvSpPr>
+        <p:spPr>
+          <a:xfrm>
+            <a:off x="15546992" y="2481127"/>
+            <a:ext cx="5624624" cy="369332"/>
+          </a:xfrm>
+          <a:prstGeom prst="rect">
+            <a:avLst/>
+          </a:prstGeom>
+          <a:noFill/>
+        </p:spPr>
+        <p:txBody>
+          <a:bodyPr wrap="square" rtlCol="0">
+            <a:spAutoFit/>
+          </a:bodyPr>
+          <a:lstStyle/>
+          <a:p>
+            <a:r>
+              <a:rPr lang="en-GB" dirty="0"/>
+              <a:t>Placeholder</a:t>
+            </a:r>
+          </a:p>
+        </p:txBody>
+      </p:sp>
+      <p:sp>
+        <p:nvSpPr>
+          <p:cNvPr id="23" name="TextBox 22">
+            <a:extLst>
+              <a:ext uri="{FF2B5EF4-FFF2-40B4-BE49-F238E27FC236}">
+                <a16:creationId xmlns:a16="http://schemas.microsoft.com/office/drawing/2014/main" id="{76BF021C-F5A2-497A-A1B0-F8472A33D27C}"/>
+              </a:ext>
+            </a:extLst>
+          </p:cNvPr>
+          <p:cNvSpPr txBox="1"/>
+          <p:nvPr/>
+        </p:nvSpPr>
+        <p:spPr>
+          <a:xfrm>
+            <a:off x="6637875" y="7667320"/>
+            <a:ext cx="8418189" cy="1477328"/>
+          </a:xfrm>
+          <a:prstGeom prst="rect">
+            <a:avLst/>
+          </a:prstGeom>
+          <a:noFill/>
+        </p:spPr>
+        <p:txBody>
+          <a:bodyPr wrap="square" rtlCol="0">
+            <a:spAutoFit/>
+          </a:bodyPr>
+          <a:lstStyle/>
+          <a:p>
+            <a:pPr marL="285750" indent="-285750">
+              <a:buFont typeface="Arial" panose="020B0604020202020204" pitchFamily="34" charset="0"/>
+              <a:buChar char="•"/>
+            </a:pPr>
+            <a:r>
+              <a:rPr lang="en-GB" b="1" dirty="0"/>
+              <a:t>TensorFlow</a:t>
+            </a:r>
+          </a:p>
+          <a:p>
+            <a:pPr marL="285750" indent="-285750">
+              <a:buFont typeface="Arial" panose="020B0604020202020204" pitchFamily="34" charset="0"/>
+              <a:buChar char="•"/>
+            </a:pPr>
+            <a:r>
+              <a:rPr lang="en-GB" b="1" dirty="0"/>
+              <a:t>OpenCV</a:t>
+            </a:r>
+          </a:p>
+          <a:p>
+            <a:pPr marL="285750" indent="-285750">
+              <a:buFont typeface="Arial" panose="020B0604020202020204" pitchFamily="34" charset="0"/>
+              <a:buChar char="•"/>
+            </a:pPr>
+            <a:r>
+              <a:rPr lang="en-GB" b="1" dirty="0"/>
+              <a:t>Convolutional Neural Networks</a:t>
+            </a:r>
+          </a:p>
+          <a:p>
+            <a:pPr marL="285750" indent="-285750">
+              <a:buFont typeface="Arial" panose="020B0604020202020204" pitchFamily="34" charset="0"/>
+              <a:buChar char="•"/>
+            </a:pPr>
+            <a:r>
+              <a:rPr lang="en-GB" b="1" dirty="0"/>
+              <a:t>Python</a:t>
+            </a:r>
+          </a:p>
+          <a:p>
+            <a:pPr marL="285750" indent="-285750">
+              <a:buFont typeface="Arial" panose="020B0604020202020204" pitchFamily="34" charset="0"/>
+              <a:buChar char="•"/>
+            </a:pPr>
+            <a:endParaRPr lang="en-GB" b="1" dirty="0"/>
+          </a:p>
+        </p:txBody>
+      </p:sp>
+      <p:sp>
+        <p:nvSpPr>
+          <p:cNvPr id="24" name="TextBox 23">
+            <a:extLst>
+              <a:ext uri="{FF2B5EF4-FFF2-40B4-BE49-F238E27FC236}">
+                <a16:creationId xmlns:a16="http://schemas.microsoft.com/office/drawing/2014/main" id="{FF2D6183-16EF-4D42-A979-13B37556DD8D}"/>
+              </a:ext>
+            </a:extLst>
+          </p:cNvPr>
+          <p:cNvSpPr txBox="1"/>
+          <p:nvPr/>
+        </p:nvSpPr>
+        <p:spPr>
+          <a:xfrm>
+            <a:off x="15597861" y="10906507"/>
+            <a:ext cx="5596070" cy="369332"/>
+          </a:xfrm>
+          <a:prstGeom prst="rect">
+            <a:avLst/>
+          </a:prstGeom>
+          <a:noFill/>
+        </p:spPr>
+        <p:txBody>
+          <a:bodyPr wrap="square" rtlCol="0">
+            <a:spAutoFit/>
+          </a:bodyPr>
+          <a:lstStyle/>
+          <a:p>
+            <a:pPr marL="285750" indent="-285750">
+              <a:buFont typeface="Arial" panose="020B0604020202020204" pitchFamily="34" charset="0"/>
+              <a:buChar char="•"/>
+            </a:pPr>
+            <a:r>
+              <a:rPr lang="en-GB" b="1" dirty="0"/>
+              <a:t>GitHub: </a:t>
+            </a:r>
+            <a:r>
+              <a:rPr lang="en-GB" dirty="0"/>
+              <a:t>https://github.com/rmon-gmit/fyp</a:t>
+            </a:r>
           </a:p>
         </p:txBody>
       </p:sp>
@@ -4720,4 +5308,299 @@
     </a:ext>
   </a:extLst>
 </a:theme>
+</file>
+
+<file path=ppt/theme/theme2.xml><?xml version="1.0" encoding="utf-8"?>
+<a:theme xmlns:a="http://schemas.openxmlformats.org/drawingml/2006/main" name="Office Theme">
+  <a:themeElements>
+    <a:clrScheme name="Office">
+      <a:dk1>
+        <a:sysClr val="windowText" lastClr="000000"/>
+      </a:dk1>
+      <a:lt1>
+        <a:sysClr val="window" lastClr="FFFFFF"/>
+      </a:lt1>
+      <a:dk2>
+        <a:srgbClr val="44546A"/>
+      </a:dk2>
+      <a:lt2>
+        <a:srgbClr val="E7E6E6"/>
+      </a:lt2>
+      <a:accent1>
+        <a:srgbClr val="4472C4"/>
+      </a:accent1>
+      <a:accent2>
+        <a:srgbClr val="ED7D31"/>
+      </a:accent2>
+      <a:accent3>
+        <a:srgbClr val="A5A5A5"/>
+      </a:accent3>
+      <a:accent4>
+        <a:srgbClr val="FFC000"/>
+      </a:accent4>
+      <a:accent5>
+        <a:srgbClr val="5B9BD5"/>
+      </a:accent5>
+      <a:accent6>
+        <a:srgbClr val="70AD47"/>
+      </a:accent6>
+      <a:hlink>
+        <a:srgbClr val="0563C1"/>
+      </a:hlink>
+      <a:folHlink>
+        <a:srgbClr val="954F72"/>
+      </a:folHlink>
+    </a:clrScheme>
+    <a:fontScheme name="Office">
+      <a:majorFont>
+        <a:latin typeface="Calibri Light" panose="020F0302020204030204"/>
+        <a:ea typeface=""/>
+        <a:cs typeface=""/>
+        <a:font script="Jpan" typeface="游ゴシック Light"/>
+        <a:font script="Hang" typeface="맑은 고딕"/>
+        <a:font script="Hans" typeface="等线 Light"/>
+        <a:font script="Hant" typeface="新細明體"/>
+        <a:font script="Arab" typeface="Times New Roman"/>
+        <a:font script="Hebr" typeface="Times New Roman"/>
+        <a:font script="Thai" typeface="Angsana New"/>
+        <a:font script="Ethi" typeface="Nyala"/>
+        <a:font script="Beng" typeface="Vrinda"/>
+        <a:font script="Gujr" typeface="Shruti"/>
+        <a:font script="Khmr" typeface="MoolBoran"/>
+        <a:font script="Knda" typeface="Tunga"/>
+        <a:font script="Guru" typeface="Raavi"/>
+        <a:font script="Cans" typeface="Euphemia"/>
+        <a:font script="Cher" typeface="Plantagenet Cherokee"/>
+        <a:font script="Yiii" typeface="Microsoft Yi Baiti"/>
+        <a:font script="Tibt" typeface="Microsoft Himalaya"/>
+        <a:font script="Thaa" typeface="MV Boli"/>
+        <a:font script="Deva" typeface="Mangal"/>
+        <a:font script="Telu" typeface="Gautami"/>
+        <a:font script="Taml" typeface="Latha"/>
+        <a:font script="Syrc" typeface="Estrangelo Edessa"/>
+        <a:font script="Orya" typeface="Kalinga"/>
+        <a:font script="Mlym" typeface="Kartika"/>
+        <a:font script="Laoo" typeface="DokChampa"/>
+        <a:font script="Sinh" typeface="Iskoola Pota"/>
+        <a:font script="Mong" typeface="Mongolian Baiti"/>
+        <a:font script="Viet" typeface="Times New Roman"/>
+        <a:font script="Uigh" typeface="Microsoft Uighur"/>
+        <a:font script="Geor" typeface="Sylfaen"/>
+        <a:font script="Armn" typeface="Arial"/>
+        <a:font script="Bugi" typeface="Leelawadee UI"/>
+        <a:font script="Bopo" typeface="Microsoft JhengHei"/>
+        <a:font script="Java" typeface="Javanese Text"/>
+        <a:font script="Lisu" typeface="Segoe UI"/>
+        <a:font script="Mymr" typeface="Myanmar Text"/>
+        <a:font script="Nkoo" typeface="Ebrima"/>
+        <a:font script="Olck" typeface="Nirmala UI"/>
+        <a:font script="Osma" typeface="Ebrima"/>
+        <a:font script="Phag" typeface="Phagspa"/>
+        <a:font script="Syrn" typeface="Estrangelo Edessa"/>
+        <a:font script="Syrj" typeface="Estrangelo Edessa"/>
+        <a:font script="Syre" typeface="Estrangelo Edessa"/>
+        <a:font script="Sora" typeface="Nirmala UI"/>
+        <a:font script="Tale" typeface="Microsoft Tai Le"/>
+        <a:font script="Talu" typeface="Microsoft New Tai Lue"/>
+        <a:font script="Tfng" typeface="Ebrima"/>
+      </a:majorFont>
+      <a:minorFont>
+        <a:latin typeface="Calibri" panose="020F0502020204030204"/>
+        <a:ea typeface=""/>
+        <a:cs typeface=""/>
+        <a:font script="Jpan" typeface="游ゴシック"/>
+        <a:font script="Hang" typeface="맑은 고딕"/>
+        <a:font script="Hans" typeface="等线"/>
+        <a:font script="Hant" typeface="新細明體"/>
+        <a:font script="Arab" typeface="Arial"/>
+        <a:font script="Hebr" typeface="Arial"/>
+        <a:font script="Thai" typeface="Cordia New"/>
+        <a:font script="Ethi" typeface="Nyala"/>
+        <a:font script="Beng" typeface="Vrinda"/>
+        <a:font script="Gujr" typeface="Shruti"/>
+        <a:font script="Khmr" typeface="DaunPenh"/>
+        <a:font script="Knda" typeface="Tunga"/>
+        <a:font script="Guru" typeface="Raavi"/>
+        <a:font script="Cans" typeface="Euphemia"/>
+        <a:font script="Cher" typeface="Plantagenet Cherokee"/>
+        <a:font script="Yiii" typeface="Microsoft Yi Baiti"/>
+        <a:font script="Tibt" typeface="Microsoft Himalaya"/>
+        <a:font script="Thaa" typeface="MV Boli"/>
+        <a:font script="Deva" typeface="Mangal"/>
+        <a:font script="Telu" typeface="Gautami"/>
+        <a:font script="Taml" typeface="Latha"/>
+        <a:font script="Syrc" typeface="Estrangelo Edessa"/>
+        <a:font script="Orya" typeface="Kalinga"/>
+        <a:font script="Mlym" typeface="Kartika"/>
+        <a:font script="Laoo" typeface="DokChampa"/>
+        <a:font script="Sinh" typeface="Iskoola Pota"/>
+        <a:font script="Mong" typeface="Mongolian Baiti"/>
+        <a:font script="Viet" typeface="Arial"/>
+        <a:font script="Uigh" typeface="Microsoft Uighur"/>
+        <a:font script="Geor" typeface="Sylfaen"/>
+        <a:font script="Armn" typeface="Arial"/>
+        <a:font script="Bugi" typeface="Leelawadee UI"/>
+        <a:font script="Bopo" typeface="Microsoft JhengHei"/>
+        <a:font script="Java" typeface="Javanese Text"/>
+        <a:font script="Lisu" typeface="Segoe UI"/>
+        <a:font script="Mymr" typeface="Myanmar Text"/>
+        <a:font script="Nkoo" typeface="Ebrima"/>
+        <a:font script="Olck" typeface="Nirmala UI"/>
+        <a:font script="Osma" typeface="Ebrima"/>
+        <a:font script="Phag" typeface="Phagspa"/>
+        <a:font script="Syrn" typeface="Estrangelo Edessa"/>
+        <a:font script="Syrj" typeface="Estrangelo Edessa"/>
+        <a:font script="Syre" typeface="Estrangelo Edessa"/>
+        <a:font script="Sora" typeface="Nirmala UI"/>
+        <a:font script="Tale" typeface="Microsoft Tai Le"/>
+        <a:font script="Talu" typeface="Microsoft New Tai Lue"/>
+        <a:font script="Tfng" typeface="Ebrima"/>
+      </a:minorFont>
+    </a:fontScheme>
+    <a:fmtScheme name="Office">
+      <a:fillStyleLst>
+        <a:solidFill>
+          <a:schemeClr val="phClr"/>
+        </a:solidFill>
+        <a:gradFill rotWithShape="1">
+          <a:gsLst>
+            <a:gs pos="0">
+              <a:schemeClr val="phClr">
+                <a:lumMod val="110000"/>
+                <a:satMod val="105000"/>
+                <a:tint val="67000"/>
+              </a:schemeClr>
+            </a:gs>
+            <a:gs pos="50000">
+              <a:schemeClr val="phClr">
+                <a:lumMod val="105000"/>
+                <a:satMod val="103000"/>
+                <a:tint val="73000"/>
+              </a:schemeClr>
+            </a:gs>
+            <a:gs pos="100000">
+              <a:schemeClr val="phClr">
+                <a:lumMod val="105000"/>
+                <a:satMod val="109000"/>
+                <a:tint val="81000"/>
+              </a:schemeClr>
+            </a:gs>
+          </a:gsLst>
+          <a:lin ang="5400000" scaled="0"/>
+        </a:gradFill>
+        <a:gradFill rotWithShape="1">
+          <a:gsLst>
+            <a:gs pos="0">
+              <a:schemeClr val="phClr">
+                <a:satMod val="103000"/>
+                <a:lumMod val="102000"/>
+                <a:tint val="94000"/>
+              </a:schemeClr>
+            </a:gs>
+            <a:gs pos="50000">
+              <a:schemeClr val="phClr">
+                <a:satMod val="110000"/>
+                <a:lumMod val="100000"/>
+                <a:shade val="100000"/>
+              </a:schemeClr>
+            </a:gs>
+            <a:gs pos="100000">
+              <a:schemeClr val="phClr">
+                <a:lumMod val="99000"/>
+                <a:satMod val="120000"/>
+                <a:shade val="78000"/>
+              </a:schemeClr>
+            </a:gs>
+          </a:gsLst>
+          <a:lin ang="5400000" scaled="0"/>
+        </a:gradFill>
+      </a:fillStyleLst>
+      <a:lnStyleLst>
+        <a:ln w="6350" cap="flat" cmpd="sng" algn="ctr">
+          <a:solidFill>
+            <a:schemeClr val="phClr"/>
+          </a:solidFill>
+          <a:prstDash val="solid"/>
+          <a:miter lim="800000"/>
+        </a:ln>
+        <a:ln w="12700" cap="flat" cmpd="sng" algn="ctr">
+          <a:solidFill>
+            <a:schemeClr val="phClr"/>
+          </a:solidFill>
+          <a:prstDash val="solid"/>
+          <a:miter lim="800000"/>
+        </a:ln>
+        <a:ln w="19050" cap="flat" cmpd="sng" algn="ctr">
+          <a:solidFill>
+            <a:schemeClr val="phClr"/>
+          </a:solidFill>
+          <a:prstDash val="solid"/>
+          <a:miter lim="800000"/>
+        </a:ln>
+      </a:lnStyleLst>
+      <a:effectStyleLst>
+        <a:effectStyle>
+          <a:effectLst/>
+        </a:effectStyle>
+        <a:effectStyle>
+          <a:effectLst/>
+        </a:effectStyle>
+        <a:effectStyle>
+          <a:effectLst>
+            <a:outerShdw blurRad="57150" dist="19050" dir="5400000" algn="ctr" rotWithShape="0">
+              <a:srgbClr val="000000">
+                <a:alpha val="63000"/>
+              </a:srgbClr>
+            </a:outerShdw>
+          </a:effectLst>
+        </a:effectStyle>
+      </a:effectStyleLst>
+      <a:bgFillStyleLst>
+        <a:solidFill>
+          <a:schemeClr val="phClr"/>
+        </a:solidFill>
+        <a:solidFill>
+          <a:schemeClr val="phClr">
+            <a:tint val="95000"/>
+            <a:satMod val="170000"/>
+          </a:schemeClr>
+        </a:solidFill>
+        <a:gradFill rotWithShape="1">
+          <a:gsLst>
+            <a:gs pos="0">
+              <a:schemeClr val="phClr">
+                <a:tint val="93000"/>
+                <a:satMod val="150000"/>
+                <a:shade val="98000"/>
+                <a:lumMod val="102000"/>
+              </a:schemeClr>
+            </a:gs>
+            <a:gs pos="50000">
+              <a:schemeClr val="phClr">
+                <a:tint val="98000"/>
+                <a:satMod val="130000"/>
+                <a:shade val="90000"/>
+                <a:lumMod val="103000"/>
+              </a:schemeClr>
+            </a:gs>
+            <a:gs pos="100000">
+              <a:schemeClr val="phClr">
+                <a:shade val="63000"/>
+                <a:satMod val="120000"/>
+              </a:schemeClr>
+            </a:gs>
+          </a:gsLst>
+          <a:lin ang="5400000" scaled="0"/>
+        </a:gradFill>
+      </a:bgFillStyleLst>
+    </a:fmtScheme>
+  </a:themeElements>
+  <a:objectDefaults/>
+  <a:extraClrSchemeLst/>
+  <a:extLst>
+    <a:ext uri="{05A4C25C-085E-4340-85A3-A5531E510DB2}">
+      <thm15:themeFamily xmlns:thm15="http://schemas.microsoft.com/office/thememl/2012/main" name="Office Theme" id="{62F939B6-93AF-4DB8-9C6B-D6C7DFDC589F}" vid="{4A3C46E8-61CC-4603-A589-7422A47A8E4A}"/>
+    </a:ext>
+  </a:extLst>
+</a:theme>
 </file>